--- a/DATOS COVID Chile 2022 01 15.pptx
+++ b/DATOS COVID Chile 2022 01 15.pptx
@@ -5,7 +5,7 @@
     <p:sldMasterId id="2147483648" r:id="rId1"/>
   </p:sldMasterIdLst>
   <p:notesMasterIdLst>
-    <p:notesMasterId r:id="rId26"/>
+    <p:notesMasterId r:id="rId27"/>
   </p:notesMasterIdLst>
   <p:sldIdLst>
     <p:sldId id="266" r:id="rId2"/>
@@ -13,25 +13,26 @@
     <p:sldId id="381" r:id="rId4"/>
     <p:sldId id="383" r:id="rId5"/>
     <p:sldId id="447" r:id="rId6"/>
-    <p:sldId id="275" r:id="rId7"/>
-    <p:sldId id="380" r:id="rId8"/>
-    <p:sldId id="432" r:id="rId9"/>
-    <p:sldId id="277" r:id="rId10"/>
-    <p:sldId id="426" r:id="rId11"/>
-    <p:sldId id="445" r:id="rId12"/>
-    <p:sldId id="280" r:id="rId13"/>
-    <p:sldId id="281" r:id="rId14"/>
-    <p:sldId id="417" r:id="rId15"/>
-    <p:sldId id="431" r:id="rId16"/>
-    <p:sldId id="438" r:id="rId17"/>
-    <p:sldId id="443" r:id="rId18"/>
-    <p:sldId id="407" r:id="rId19"/>
-    <p:sldId id="288" r:id="rId20"/>
-    <p:sldId id="300" r:id="rId21"/>
-    <p:sldId id="440" r:id="rId22"/>
-    <p:sldId id="446" r:id="rId23"/>
-    <p:sldId id="424" r:id="rId24"/>
-    <p:sldId id="435" r:id="rId25"/>
+    <p:sldId id="448" r:id="rId7"/>
+    <p:sldId id="275" r:id="rId8"/>
+    <p:sldId id="380" r:id="rId9"/>
+    <p:sldId id="432" r:id="rId10"/>
+    <p:sldId id="277" r:id="rId11"/>
+    <p:sldId id="426" r:id="rId12"/>
+    <p:sldId id="445" r:id="rId13"/>
+    <p:sldId id="280" r:id="rId14"/>
+    <p:sldId id="281" r:id="rId15"/>
+    <p:sldId id="417" r:id="rId16"/>
+    <p:sldId id="431" r:id="rId17"/>
+    <p:sldId id="438" r:id="rId18"/>
+    <p:sldId id="443" r:id="rId19"/>
+    <p:sldId id="407" r:id="rId20"/>
+    <p:sldId id="288" r:id="rId21"/>
+    <p:sldId id="300" r:id="rId22"/>
+    <p:sldId id="440" r:id="rId23"/>
+    <p:sldId id="446" r:id="rId24"/>
+    <p:sldId id="424" r:id="rId25"/>
+    <p:sldId id="435" r:id="rId26"/>
   </p:sldIdLst>
   <p:sldSz cx="12192000" cy="6858000"/>
   <p:notesSz cx="6858000" cy="9144000"/>
@@ -600,7 +601,7 @@
           <a:p>
             <a:fld id="{843DCC2D-BF8E-6546-A31C-967437B0E67F}" type="slidenum">
               <a:rPr lang="en-US" smtClean="0"/>
-              <a:t>7</a:t>
+              <a:t>8</a:t>
             </a:fld>
             <a:endParaRPr lang="en-US"/>
           </a:p>
@@ -732,7 +733,7 @@
           <a:p>
             <a:fld id="{843DCC2D-BF8E-6546-A31C-967437B0E67F}" type="slidenum">
               <a:rPr lang="en-US" smtClean="0"/>
-              <a:t>8</a:t>
+              <a:t>9</a:t>
             </a:fld>
             <a:endParaRPr lang="en-US"/>
           </a:p>
@@ -904,7 +905,7 @@
           <a:p>
             <a:fld id="{843DCC2D-BF8E-6546-A31C-967437B0E67F}" type="slidenum">
               <a:rPr lang="en-US" smtClean="0"/>
-              <a:t>10</a:t>
+              <a:t>11</a:t>
             </a:fld>
             <a:endParaRPr lang="en-US"/>
           </a:p>
@@ -1076,7 +1077,7 @@
           <a:p>
             <a:fld id="{843DCC2D-BF8E-6546-A31C-967437B0E67F}" type="slidenum">
               <a:rPr lang="en-US" smtClean="0"/>
-              <a:t>11</a:t>
+              <a:t>12</a:t>
             </a:fld>
             <a:endParaRPr lang="en-US"/>
           </a:p>
@@ -1192,7 +1193,7 @@
           <a:p>
             <a:fld id="{843DCC2D-BF8E-6546-A31C-967437B0E67F}" type="slidenum">
               <a:rPr lang="en-US" smtClean="0"/>
-              <a:t>13</a:t>
+              <a:t>14</a:t>
             </a:fld>
             <a:endParaRPr lang="en-US"/>
           </a:p>
@@ -1308,7 +1309,7 @@
           <a:p>
             <a:fld id="{843DCC2D-BF8E-6546-A31C-967437B0E67F}" type="slidenum">
               <a:rPr lang="en-US" smtClean="0"/>
-              <a:t>14</a:t>
+              <a:t>15</a:t>
             </a:fld>
             <a:endParaRPr lang="en-US"/>
           </a:p>
@@ -4767,6 +4768,96 @@
       </p:grpSpPr>
       <p:sp>
         <p:nvSpPr>
+          <p:cNvPr id="4" name="TextBox 3">
+            <a:extLst>
+              <a:ext uri="{FF2B5EF4-FFF2-40B4-BE49-F238E27FC236}">
+                <a16:creationId xmlns:a16="http://schemas.microsoft.com/office/drawing/2014/main" id="{5BCAFE7A-E299-D14E-9413-EB5C984AF441}"/>
+              </a:ext>
+            </a:extLst>
+          </p:cNvPr>
+          <p:cNvSpPr txBox="1"/>
+          <p:nvPr/>
+        </p:nvSpPr>
+        <p:spPr>
+          <a:xfrm>
+            <a:off x="3621059" y="2846895"/>
+            <a:ext cx="4949881" cy="1015663"/>
+          </a:xfrm>
+          <a:prstGeom prst="rect">
+            <a:avLst/>
+          </a:prstGeom>
+          <a:noFill/>
+        </p:spPr>
+        <p:txBody>
+          <a:bodyPr wrap="none" rtlCol="0">
+            <a:spAutoFit/>
+          </a:bodyPr>
+          <a:lstStyle/>
+          <a:p>
+            <a:r>
+              <a:rPr lang="en-US" sz="6000" dirty="0"/>
+              <a:t>CASOS &amp; TESTS</a:t>
+            </a:r>
+          </a:p>
+        </p:txBody>
+      </p:sp>
+      <p:sp>
+        <p:nvSpPr>
+          <p:cNvPr id="5" name="Title 4">
+            <a:extLst>
+              <a:ext uri="{FF2B5EF4-FFF2-40B4-BE49-F238E27FC236}">
+                <a16:creationId xmlns:a16="http://schemas.microsoft.com/office/drawing/2014/main" id="{5B465201-ED47-B64A-B505-4DDA25649C32}"/>
+              </a:ext>
+            </a:extLst>
+          </p:cNvPr>
+          <p:cNvSpPr>
+            <a:spLocks noGrp="1"/>
+          </p:cNvSpPr>
+          <p:nvPr>
+            <p:ph type="title"/>
+          </p:nvPr>
+        </p:nvSpPr>
+        <p:spPr/>
+        <p:txBody>
+          <a:bodyPr/>
+          <a:lstStyle/>
+          <a:p>
+            <a:endParaRPr lang="en-US"/>
+          </a:p>
+        </p:txBody>
+      </p:sp>
+    </p:spTree>
+    <p:extLst>
+      <p:ext uri="{BB962C8B-B14F-4D97-AF65-F5344CB8AC3E}">
+        <p14:creationId xmlns:p14="http://schemas.microsoft.com/office/powerpoint/2010/main" val="3304157546"/>
+      </p:ext>
+    </p:extLst>
+  </p:cSld>
+  <p:clrMapOvr>
+    <a:masterClrMapping/>
+  </p:clrMapOvr>
+</p:sld>
+</file>
+
+<file path=ppt/slides/slide11.xml><?xml version="1.0" encoding="utf-8"?>
+<p:sld xmlns:a="http://schemas.openxmlformats.org/drawingml/2006/main" xmlns:r="http://schemas.openxmlformats.org/officeDocument/2006/relationships" xmlns:p="http://schemas.openxmlformats.org/presentationml/2006/main">
+  <p:cSld>
+    <p:spTree>
+      <p:nvGrpSpPr>
+        <p:cNvPr id="1" name=""/>
+        <p:cNvGrpSpPr/>
+        <p:nvPr/>
+      </p:nvGrpSpPr>
+      <p:grpSpPr>
+        <a:xfrm>
+          <a:off x="0" y="0"/>
+          <a:ext cx="0" cy="0"/>
+          <a:chOff x="0" y="0"/>
+          <a:chExt cx="0" cy="0"/>
+        </a:xfrm>
+      </p:grpSpPr>
+      <p:sp>
+        <p:nvSpPr>
           <p:cNvPr id="6" name="TextBox 5">
             <a:extLst>
               <a:ext uri="{FF2B5EF4-FFF2-40B4-BE49-F238E27FC236}">
@@ -4961,7 +5052,7 @@
 </p:sld>
 </file>
 
-<file path=ppt/slides/slide11.xml><?xml version="1.0" encoding="utf-8"?>
+<file path=ppt/slides/slide12.xml><?xml version="1.0" encoding="utf-8"?>
 <p:sld xmlns:a="http://schemas.openxmlformats.org/drawingml/2006/main" xmlns:r="http://schemas.openxmlformats.org/officeDocument/2006/relationships" xmlns:p="http://schemas.openxmlformats.org/presentationml/2006/main" show="0">
   <p:cSld>
     <p:spTree>
@@ -5459,96 +5550,6 @@
 </p:sld>
 </file>
 
-<file path=ppt/slides/slide12.xml><?xml version="1.0" encoding="utf-8"?>
-<p:sld xmlns:a="http://schemas.openxmlformats.org/drawingml/2006/main" xmlns:r="http://schemas.openxmlformats.org/officeDocument/2006/relationships" xmlns:p="http://schemas.openxmlformats.org/presentationml/2006/main">
-  <p:cSld>
-    <p:spTree>
-      <p:nvGrpSpPr>
-        <p:cNvPr id="1" name=""/>
-        <p:cNvGrpSpPr/>
-        <p:nvPr/>
-      </p:nvGrpSpPr>
-      <p:grpSpPr>
-        <a:xfrm>
-          <a:off x="0" y="0"/>
-          <a:ext cx="0" cy="0"/>
-          <a:chOff x="0" y="0"/>
-          <a:chExt cx="0" cy="0"/>
-        </a:xfrm>
-      </p:grpSpPr>
-      <p:sp>
-        <p:nvSpPr>
-          <p:cNvPr id="4" name="TextBox 3">
-            <a:extLst>
-              <a:ext uri="{FF2B5EF4-FFF2-40B4-BE49-F238E27FC236}">
-                <a16:creationId xmlns:a16="http://schemas.microsoft.com/office/drawing/2014/main" id="{5BCAFE7A-E299-D14E-9413-EB5C984AF441}"/>
-              </a:ext>
-            </a:extLst>
-          </p:cNvPr>
-          <p:cNvSpPr txBox="1"/>
-          <p:nvPr/>
-        </p:nvSpPr>
-        <p:spPr>
-          <a:xfrm>
-            <a:off x="3621059" y="2846895"/>
-            <a:ext cx="4219360" cy="1015663"/>
-          </a:xfrm>
-          <a:prstGeom prst="rect">
-            <a:avLst/>
-          </a:prstGeom>
-          <a:noFill/>
-        </p:spPr>
-        <p:txBody>
-          <a:bodyPr wrap="none" rtlCol="0">
-            <a:spAutoFit/>
-          </a:bodyPr>
-          <a:lstStyle/>
-          <a:p>
-            <a:r>
-              <a:rPr lang="en-US" sz="6000" dirty="0"/>
-              <a:t>POSITIVIDAD</a:t>
-            </a:r>
-          </a:p>
-        </p:txBody>
-      </p:sp>
-      <p:sp>
-        <p:nvSpPr>
-          <p:cNvPr id="5" name="Title 4">
-            <a:extLst>
-              <a:ext uri="{FF2B5EF4-FFF2-40B4-BE49-F238E27FC236}">
-                <a16:creationId xmlns:a16="http://schemas.microsoft.com/office/drawing/2014/main" id="{5B465201-ED47-B64A-B505-4DDA25649C32}"/>
-              </a:ext>
-            </a:extLst>
-          </p:cNvPr>
-          <p:cNvSpPr>
-            <a:spLocks noGrp="1"/>
-          </p:cNvSpPr>
-          <p:nvPr>
-            <p:ph type="title"/>
-          </p:nvPr>
-        </p:nvSpPr>
-        <p:spPr/>
-        <p:txBody>
-          <a:bodyPr/>
-          <a:lstStyle/>
-          <a:p>
-            <a:endParaRPr lang="en-US"/>
-          </a:p>
-        </p:txBody>
-      </p:sp>
-    </p:spTree>
-    <p:extLst>
-      <p:ext uri="{BB962C8B-B14F-4D97-AF65-F5344CB8AC3E}">
-        <p14:creationId xmlns:p14="http://schemas.microsoft.com/office/powerpoint/2010/main" val="4150063257"/>
-      </p:ext>
-    </p:extLst>
-  </p:cSld>
-  <p:clrMapOvr>
-    <a:masterClrMapping/>
-  </p:clrMapOvr>
-</p:sld>
-</file>
-
 <file path=ppt/slides/slide13.xml><?xml version="1.0" encoding="utf-8"?>
 <p:sld xmlns:a="http://schemas.openxmlformats.org/drawingml/2006/main" xmlns:r="http://schemas.openxmlformats.org/officeDocument/2006/relationships" xmlns:p="http://schemas.openxmlformats.org/presentationml/2006/main">
   <p:cSld>
@@ -5568,10 +5569,10 @@
       </p:grpSpPr>
       <p:sp>
         <p:nvSpPr>
-          <p:cNvPr id="6" name="TextBox 5">
-            <a:extLst>
-              <a:ext uri="{FF2B5EF4-FFF2-40B4-BE49-F238E27FC236}">
-                <a16:creationId xmlns:a16="http://schemas.microsoft.com/office/drawing/2014/main" id="{AB65407A-4582-004A-A45F-BD87B99ABAF2}"/>
+          <p:cNvPr id="4" name="TextBox 3">
+            <a:extLst>
+              <a:ext uri="{FF2B5EF4-FFF2-40B4-BE49-F238E27FC236}">
+                <a16:creationId xmlns:a16="http://schemas.microsoft.com/office/drawing/2014/main" id="{5BCAFE7A-E299-D14E-9413-EB5C984AF441}"/>
               </a:ext>
             </a:extLst>
           </p:cNvPr>
@@ -5580,15 +5581,13 @@
         </p:nvSpPr>
         <p:spPr>
           <a:xfrm>
-            <a:off x="2600918" y="0"/>
-            <a:ext cx="7564828" cy="584775"/>
+            <a:off x="3621059" y="2846895"/>
+            <a:ext cx="4219360" cy="1015663"/>
           </a:xfrm>
           <a:prstGeom prst="rect">
             <a:avLst/>
           </a:prstGeom>
-          <a:solidFill>
-            <a:schemeClr val="bg1"/>
-          </a:solidFill>
+          <a:noFill/>
         </p:spPr>
         <p:txBody>
           <a:bodyPr wrap="none" rtlCol="0">
@@ -5597,46 +5596,41 @@
           <a:lstStyle/>
           <a:p>
             <a:r>
-              <a:rPr lang="en-US" sz="3200" dirty="0"/>
-              <a:t>POSITIVIDAD SEMANAL EN CHILE (TEST PCR)</a:t>
-            </a:r>
-          </a:p>
-        </p:txBody>
-      </p:sp>
-      <p:pic>
-        <p:nvPicPr>
-          <p:cNvPr id="3" name="Picture 2">
-            <a:extLst>
-              <a:ext uri="{FF2B5EF4-FFF2-40B4-BE49-F238E27FC236}">
-                <a16:creationId xmlns:a16="http://schemas.microsoft.com/office/drawing/2014/main" id="{2AA1F123-097E-D642-B073-0DD93EA4DF0B}"/>
-              </a:ext>
-            </a:extLst>
-          </p:cNvPr>
-          <p:cNvPicPr>
-            <a:picLocks noChangeAspect="1"/>
-          </p:cNvPicPr>
-          <p:nvPr/>
-        </p:nvPicPr>
-        <p:blipFill>
-          <a:blip r:embed="rId3"/>
-          <a:stretch>
-            <a:fillRect/>
-          </a:stretch>
-        </p:blipFill>
-        <p:spPr>
-          <a:xfrm>
-            <a:off x="2356016" y="584775"/>
-            <a:ext cx="7479968" cy="5928567"/>
-          </a:xfrm>
-          <a:prstGeom prst="rect">
-            <a:avLst/>
-          </a:prstGeom>
-        </p:spPr>
-      </p:pic>
+              <a:rPr lang="en-US" sz="6000" dirty="0"/>
+              <a:t>POSITIVIDAD</a:t>
+            </a:r>
+          </a:p>
+        </p:txBody>
+      </p:sp>
+      <p:sp>
+        <p:nvSpPr>
+          <p:cNvPr id="5" name="Title 4">
+            <a:extLst>
+              <a:ext uri="{FF2B5EF4-FFF2-40B4-BE49-F238E27FC236}">
+                <a16:creationId xmlns:a16="http://schemas.microsoft.com/office/drawing/2014/main" id="{5B465201-ED47-B64A-B505-4DDA25649C32}"/>
+              </a:ext>
+            </a:extLst>
+          </p:cNvPr>
+          <p:cNvSpPr>
+            <a:spLocks noGrp="1"/>
+          </p:cNvSpPr>
+          <p:nvPr>
+            <p:ph type="title"/>
+          </p:nvPr>
+        </p:nvSpPr>
+        <p:spPr/>
+        <p:txBody>
+          <a:bodyPr/>
+          <a:lstStyle/>
+          <a:p>
+            <a:endParaRPr lang="en-US"/>
+          </a:p>
+        </p:txBody>
+      </p:sp>
     </p:spTree>
     <p:extLst>
       <p:ext uri="{BB962C8B-B14F-4D97-AF65-F5344CB8AC3E}">
-        <p14:creationId xmlns:p14="http://schemas.microsoft.com/office/powerpoint/2010/main" val="53311632"/>
+        <p14:creationId xmlns:p14="http://schemas.microsoft.com/office/powerpoint/2010/main" val="4150063257"/>
       </p:ext>
     </p:extLst>
   </p:cSld>
@@ -5677,8 +5671,8 @@
         </p:nvSpPr>
         <p:spPr>
           <a:xfrm>
-            <a:off x="4296885" y="0"/>
-            <a:ext cx="3598229" cy="584775"/>
+            <a:off x="2600918" y="0"/>
+            <a:ext cx="7564828" cy="584775"/>
           </a:xfrm>
           <a:prstGeom prst="rect">
             <a:avLst/>
@@ -5695,77 +5689,7 @@
           <a:p>
             <a:r>
               <a:rPr lang="en-US" sz="3200" dirty="0"/>
-              <a:t>TESTS DE ANTÍGENO</a:t>
-            </a:r>
-          </a:p>
-        </p:txBody>
-      </p:sp>
-      <p:sp>
-        <p:nvSpPr>
-          <p:cNvPr id="4" name="TextBox 3">
-            <a:extLst>
-              <a:ext uri="{FF2B5EF4-FFF2-40B4-BE49-F238E27FC236}">
-                <a16:creationId xmlns:a16="http://schemas.microsoft.com/office/drawing/2014/main" id="{BDA1CD53-580B-B247-B344-C638ED4B5016}"/>
-              </a:ext>
-            </a:extLst>
-          </p:cNvPr>
-          <p:cNvSpPr txBox="1"/>
-          <p:nvPr/>
-        </p:nvSpPr>
-        <p:spPr>
-          <a:xfrm>
-            <a:off x="1787736" y="1036750"/>
-            <a:ext cx="2509020" cy="461665"/>
-          </a:xfrm>
-          <a:prstGeom prst="rect">
-            <a:avLst/>
-          </a:prstGeom>
-          <a:noFill/>
-        </p:spPr>
-        <p:txBody>
-          <a:bodyPr wrap="none" rtlCol="0">
-            <a:spAutoFit/>
-          </a:bodyPr>
-          <a:lstStyle/>
-          <a:p>
-            <a:r>
-              <a:rPr lang="en-CL" sz="2400" dirty="0"/>
-              <a:t>TESTS SEMANALES</a:t>
-            </a:r>
-          </a:p>
-        </p:txBody>
-      </p:sp>
-      <p:sp>
-        <p:nvSpPr>
-          <p:cNvPr id="9" name="TextBox 8">
-            <a:extLst>
-              <a:ext uri="{FF2B5EF4-FFF2-40B4-BE49-F238E27FC236}">
-                <a16:creationId xmlns:a16="http://schemas.microsoft.com/office/drawing/2014/main" id="{16CA662A-1C2E-FA46-9D88-094DDB686220}"/>
-              </a:ext>
-            </a:extLst>
-          </p:cNvPr>
-          <p:cNvSpPr txBox="1"/>
-          <p:nvPr/>
-        </p:nvSpPr>
-        <p:spPr>
-          <a:xfrm>
-            <a:off x="7387145" y="932824"/>
-            <a:ext cx="3104055" cy="461665"/>
-          </a:xfrm>
-          <a:prstGeom prst="rect">
-            <a:avLst/>
-          </a:prstGeom>
-          <a:noFill/>
-        </p:spPr>
-        <p:txBody>
-          <a:bodyPr wrap="none" rtlCol="0">
-            <a:spAutoFit/>
-          </a:bodyPr>
-          <a:lstStyle/>
-          <a:p>
-            <a:r>
-              <a:rPr lang="en-CL" sz="2400" dirty="0"/>
-              <a:t>POSITIVIDAD SEMANAL</a:t>
+              <a:t>POSITIVIDAD SEMANAL EN CHILE (TEST PCR)</a:t>
             </a:r>
           </a:p>
         </p:txBody>
@@ -5775,7 +5699,7 @@
           <p:cNvPr id="3" name="Picture 2">
             <a:extLst>
               <a:ext uri="{FF2B5EF4-FFF2-40B4-BE49-F238E27FC236}">
-                <a16:creationId xmlns:a16="http://schemas.microsoft.com/office/drawing/2014/main" id="{82F8074E-4232-5049-82CC-6587DDF1DC7A}"/>
+                <a16:creationId xmlns:a16="http://schemas.microsoft.com/office/drawing/2014/main" id="{2AA1F123-097E-D642-B073-0DD93EA4DF0B}"/>
               </a:ext>
             </a:extLst>
           </p:cNvPr>
@@ -5792,38 +5716,8 @@
         </p:blipFill>
         <p:spPr>
           <a:xfrm>
-            <a:off x="488998" y="1487529"/>
-            <a:ext cx="5569676" cy="4519108"/>
-          </a:xfrm>
-          <a:prstGeom prst="rect">
-            <a:avLst/>
-          </a:prstGeom>
-        </p:spPr>
-      </p:pic>
-      <p:pic>
-        <p:nvPicPr>
-          <p:cNvPr id="7" name="Picture 6">
-            <a:extLst>
-              <a:ext uri="{FF2B5EF4-FFF2-40B4-BE49-F238E27FC236}">
-                <a16:creationId xmlns:a16="http://schemas.microsoft.com/office/drawing/2014/main" id="{F41EE3C0-5581-D340-8A2F-3E73068F9601}"/>
-              </a:ext>
-            </a:extLst>
-          </p:cNvPr>
-          <p:cNvPicPr>
-            <a:picLocks noChangeAspect="1"/>
-          </p:cNvPicPr>
-          <p:nvPr/>
-        </p:nvPicPr>
-        <p:blipFill>
-          <a:blip r:embed="rId4"/>
-          <a:stretch>
-            <a:fillRect/>
-          </a:stretch>
-        </p:blipFill>
-        <p:spPr>
-          <a:xfrm>
-            <a:off x="6133328" y="1402216"/>
-            <a:ext cx="5853417" cy="4689733"/>
+            <a:off x="2356016" y="584775"/>
+            <a:ext cx="7479968" cy="5928567"/>
           </a:xfrm>
           <a:prstGeom prst="rect">
             <a:avLst/>
@@ -5833,7 +5727,7 @@
     </p:spTree>
     <p:extLst>
       <p:ext uri="{BB962C8B-B14F-4D97-AF65-F5344CB8AC3E}">
-        <p14:creationId xmlns:p14="http://schemas.microsoft.com/office/powerpoint/2010/main" val="2356623230"/>
+        <p14:creationId xmlns:p14="http://schemas.microsoft.com/office/powerpoint/2010/main" val="53311632"/>
       </p:ext>
     </p:extLst>
   </p:cSld>
@@ -5862,10 +5756,10 @@
       </p:grpSpPr>
       <p:sp>
         <p:nvSpPr>
-          <p:cNvPr id="4" name="TextBox 3">
-            <a:extLst>
-              <a:ext uri="{FF2B5EF4-FFF2-40B4-BE49-F238E27FC236}">
-                <a16:creationId xmlns:a16="http://schemas.microsoft.com/office/drawing/2014/main" id="{5BCAFE7A-E299-D14E-9413-EB5C984AF441}"/>
+          <p:cNvPr id="6" name="TextBox 5">
+            <a:extLst>
+              <a:ext uri="{FF2B5EF4-FFF2-40B4-BE49-F238E27FC236}">
+                <a16:creationId xmlns:a16="http://schemas.microsoft.com/office/drawing/2014/main" id="{AB65407A-4582-004A-A45F-BD87B99ABAF2}"/>
               </a:ext>
             </a:extLst>
           </p:cNvPr>
@@ -5874,8 +5768,45 @@
         </p:nvSpPr>
         <p:spPr>
           <a:xfrm>
-            <a:off x="2570612" y="2790624"/>
-            <a:ext cx="7050776" cy="1015663"/>
+            <a:off x="4296885" y="0"/>
+            <a:ext cx="3598229" cy="584775"/>
+          </a:xfrm>
+          <a:prstGeom prst="rect">
+            <a:avLst/>
+          </a:prstGeom>
+          <a:solidFill>
+            <a:schemeClr val="bg1"/>
+          </a:solidFill>
+        </p:spPr>
+        <p:txBody>
+          <a:bodyPr wrap="none" rtlCol="0">
+            <a:spAutoFit/>
+          </a:bodyPr>
+          <a:lstStyle/>
+          <a:p>
+            <a:r>
+              <a:rPr lang="en-US" sz="3200" dirty="0"/>
+              <a:t>TESTS DE ANTÍGENO</a:t>
+            </a:r>
+          </a:p>
+        </p:txBody>
+      </p:sp>
+      <p:sp>
+        <p:nvSpPr>
+          <p:cNvPr id="4" name="TextBox 3">
+            <a:extLst>
+              <a:ext uri="{FF2B5EF4-FFF2-40B4-BE49-F238E27FC236}">
+                <a16:creationId xmlns:a16="http://schemas.microsoft.com/office/drawing/2014/main" id="{BDA1CD53-580B-B247-B344-C638ED4B5016}"/>
+              </a:ext>
+            </a:extLst>
+          </p:cNvPr>
+          <p:cNvSpPr txBox="1"/>
+          <p:nvPr/>
+        </p:nvSpPr>
+        <p:spPr>
+          <a:xfrm>
+            <a:off x="1787736" y="1036750"/>
+            <a:ext cx="2509020" cy="461665"/>
           </a:xfrm>
           <a:prstGeom prst="rect">
             <a:avLst/>
@@ -5889,41 +5820,111 @@
           <a:lstStyle/>
           <a:p>
             <a:r>
-              <a:rPr lang="en-US" sz="6000" dirty="0"/>
-              <a:t>SITUACIÓN REGIONAL</a:t>
-            </a:r>
-          </a:p>
-        </p:txBody>
-      </p:sp>
-      <p:sp>
-        <p:nvSpPr>
-          <p:cNvPr id="5" name="Title 4">
-            <a:extLst>
-              <a:ext uri="{FF2B5EF4-FFF2-40B4-BE49-F238E27FC236}">
-                <a16:creationId xmlns:a16="http://schemas.microsoft.com/office/drawing/2014/main" id="{5B465201-ED47-B64A-B505-4DDA25649C32}"/>
-              </a:ext>
-            </a:extLst>
-          </p:cNvPr>
-          <p:cNvSpPr>
-            <a:spLocks noGrp="1"/>
-          </p:cNvSpPr>
-          <p:nvPr>
-            <p:ph type="title"/>
-          </p:nvPr>
-        </p:nvSpPr>
-        <p:spPr/>
-        <p:txBody>
-          <a:bodyPr/>
-          <a:lstStyle/>
-          <a:p>
-            <a:endParaRPr lang="en-US"/>
-          </a:p>
-        </p:txBody>
-      </p:sp>
+              <a:rPr lang="en-CL" sz="2400" dirty="0"/>
+              <a:t>TESTS SEMANALES</a:t>
+            </a:r>
+          </a:p>
+        </p:txBody>
+      </p:sp>
+      <p:sp>
+        <p:nvSpPr>
+          <p:cNvPr id="9" name="TextBox 8">
+            <a:extLst>
+              <a:ext uri="{FF2B5EF4-FFF2-40B4-BE49-F238E27FC236}">
+                <a16:creationId xmlns:a16="http://schemas.microsoft.com/office/drawing/2014/main" id="{16CA662A-1C2E-FA46-9D88-094DDB686220}"/>
+              </a:ext>
+            </a:extLst>
+          </p:cNvPr>
+          <p:cNvSpPr txBox="1"/>
+          <p:nvPr/>
+        </p:nvSpPr>
+        <p:spPr>
+          <a:xfrm>
+            <a:off x="7387145" y="932824"/>
+            <a:ext cx="3104055" cy="461665"/>
+          </a:xfrm>
+          <a:prstGeom prst="rect">
+            <a:avLst/>
+          </a:prstGeom>
+          <a:noFill/>
+        </p:spPr>
+        <p:txBody>
+          <a:bodyPr wrap="none" rtlCol="0">
+            <a:spAutoFit/>
+          </a:bodyPr>
+          <a:lstStyle/>
+          <a:p>
+            <a:r>
+              <a:rPr lang="en-CL" sz="2400" dirty="0"/>
+              <a:t>POSITIVIDAD SEMANAL</a:t>
+            </a:r>
+          </a:p>
+        </p:txBody>
+      </p:sp>
+      <p:pic>
+        <p:nvPicPr>
+          <p:cNvPr id="3" name="Picture 2">
+            <a:extLst>
+              <a:ext uri="{FF2B5EF4-FFF2-40B4-BE49-F238E27FC236}">
+                <a16:creationId xmlns:a16="http://schemas.microsoft.com/office/drawing/2014/main" id="{82F8074E-4232-5049-82CC-6587DDF1DC7A}"/>
+              </a:ext>
+            </a:extLst>
+          </p:cNvPr>
+          <p:cNvPicPr>
+            <a:picLocks noChangeAspect="1"/>
+          </p:cNvPicPr>
+          <p:nvPr/>
+        </p:nvPicPr>
+        <p:blipFill>
+          <a:blip r:embed="rId3"/>
+          <a:stretch>
+            <a:fillRect/>
+          </a:stretch>
+        </p:blipFill>
+        <p:spPr>
+          <a:xfrm>
+            <a:off x="488998" y="1487529"/>
+            <a:ext cx="5569676" cy="4519108"/>
+          </a:xfrm>
+          <a:prstGeom prst="rect">
+            <a:avLst/>
+          </a:prstGeom>
+        </p:spPr>
+      </p:pic>
+      <p:pic>
+        <p:nvPicPr>
+          <p:cNvPr id="7" name="Picture 6">
+            <a:extLst>
+              <a:ext uri="{FF2B5EF4-FFF2-40B4-BE49-F238E27FC236}">
+                <a16:creationId xmlns:a16="http://schemas.microsoft.com/office/drawing/2014/main" id="{F41EE3C0-5581-D340-8A2F-3E73068F9601}"/>
+              </a:ext>
+            </a:extLst>
+          </p:cNvPr>
+          <p:cNvPicPr>
+            <a:picLocks noChangeAspect="1"/>
+          </p:cNvPicPr>
+          <p:nvPr/>
+        </p:nvPicPr>
+        <p:blipFill>
+          <a:blip r:embed="rId4"/>
+          <a:stretch>
+            <a:fillRect/>
+          </a:stretch>
+        </p:blipFill>
+        <p:spPr>
+          <a:xfrm>
+            <a:off x="6133328" y="1402216"/>
+            <a:ext cx="5853417" cy="4689733"/>
+          </a:xfrm>
+          <a:prstGeom prst="rect">
+            <a:avLst/>
+          </a:prstGeom>
+        </p:spPr>
+      </p:pic>
     </p:spTree>
     <p:extLst>
       <p:ext uri="{BB962C8B-B14F-4D97-AF65-F5344CB8AC3E}">
-        <p14:creationId xmlns:p14="http://schemas.microsoft.com/office/powerpoint/2010/main" val="3222710163"/>
+        <p14:creationId xmlns:p14="http://schemas.microsoft.com/office/powerpoint/2010/main" val="2356623230"/>
       </p:ext>
     </p:extLst>
   </p:cSld>
@@ -5952,10 +5953,10 @@
       </p:grpSpPr>
       <p:sp>
         <p:nvSpPr>
-          <p:cNvPr id="7" name="TextBox 6">
-            <a:extLst>
-              <a:ext uri="{FF2B5EF4-FFF2-40B4-BE49-F238E27FC236}">
-                <a16:creationId xmlns:a16="http://schemas.microsoft.com/office/drawing/2014/main" id="{55690B03-9D47-C14E-B04F-CDC54442A1B8}"/>
+          <p:cNvPr id="4" name="TextBox 3">
+            <a:extLst>
+              <a:ext uri="{FF2B5EF4-FFF2-40B4-BE49-F238E27FC236}">
+                <a16:creationId xmlns:a16="http://schemas.microsoft.com/office/drawing/2014/main" id="{5BCAFE7A-E299-D14E-9413-EB5C984AF441}"/>
               </a:ext>
             </a:extLst>
           </p:cNvPr>
@@ -5964,8 +5965,8 @@
         </p:nvSpPr>
         <p:spPr>
           <a:xfrm>
-            <a:off x="2808604" y="28135"/>
-            <a:ext cx="6574813" cy="584775"/>
+            <a:off x="2570612" y="2790624"/>
+            <a:ext cx="7050776" cy="1015663"/>
           </a:xfrm>
           <a:prstGeom prst="rect">
             <a:avLst/>
@@ -5978,153 +5979,42 @@
           </a:bodyPr>
           <a:lstStyle/>
           <a:p>
-            <a:pPr algn="ctr"/>
-            <a:r>
-              <a:rPr lang="en-US" sz="3200" dirty="0"/>
-              <a:t>NIVEL DE CONTAGIO – 15 ENERO 2022</a:t>
-            </a:r>
-            <a:endParaRPr lang="en-US" sz="2000" dirty="0">
-              <a:solidFill>
-                <a:schemeClr val="tx1">
-                  <a:lumMod val="50000"/>
-                  <a:lumOff val="50000"/>
-                </a:schemeClr>
-              </a:solidFill>
-            </a:endParaRPr>
-          </a:p>
-        </p:txBody>
-      </p:sp>
-      <p:sp>
-        <p:nvSpPr>
-          <p:cNvPr id="4" name="Rectangle 3">
-            <a:extLst>
-              <a:ext uri="{FF2B5EF4-FFF2-40B4-BE49-F238E27FC236}">
-                <a16:creationId xmlns:a16="http://schemas.microsoft.com/office/drawing/2014/main" id="{D8843A03-435E-7540-A3E7-D35A280C5CFD}"/>
-              </a:ext>
-            </a:extLst>
-          </p:cNvPr>
-          <p:cNvSpPr/>
-          <p:nvPr/>
-        </p:nvSpPr>
-        <p:spPr>
-          <a:xfrm>
-            <a:off x="4114326" y="6134099"/>
-            <a:ext cx="4238212" cy="369332"/>
-          </a:xfrm>
-          <a:prstGeom prst="rect">
-            <a:avLst/>
-          </a:prstGeom>
-        </p:spPr>
-        <p:txBody>
-          <a:bodyPr wrap="none">
-            <a:spAutoFit/>
-          </a:bodyPr>
-          <a:lstStyle/>
-          <a:p>
-            <a:r>
-              <a:rPr lang="en-US" dirty="0" err="1">
-                <a:solidFill>
-                  <a:schemeClr val="tx1">
-                    <a:lumMod val="50000"/>
-                    <a:lumOff val="50000"/>
-                  </a:schemeClr>
-                </a:solidFill>
-              </a:rPr>
-              <a:t>Según</a:t>
-            </a:r>
-            <a:r>
-              <a:rPr lang="en-US" dirty="0">
-                <a:solidFill>
-                  <a:schemeClr val="tx1">
-                    <a:lumMod val="50000"/>
-                    <a:lumOff val="50000"/>
-                  </a:schemeClr>
-                </a:solidFill>
-              </a:rPr>
-              <a:t> </a:t>
-            </a:r>
-            <a:r>
-              <a:rPr lang="en-US" dirty="0" err="1">
-                <a:solidFill>
-                  <a:schemeClr val="tx1">
-                    <a:lumMod val="50000"/>
-                    <a:lumOff val="50000"/>
-                  </a:schemeClr>
-                </a:solidFill>
-              </a:rPr>
-              <a:t>umbrales</a:t>
-            </a:r>
-            <a:r>
-              <a:rPr lang="en-US" dirty="0">
-                <a:solidFill>
-                  <a:schemeClr val="tx1">
-                    <a:lumMod val="50000"/>
-                    <a:lumOff val="50000"/>
-                  </a:schemeClr>
-                </a:solidFill>
-              </a:rPr>
-              <a:t> </a:t>
-            </a:r>
-            <a:r>
-              <a:rPr lang="en-US" dirty="0" err="1">
-                <a:solidFill>
-                  <a:schemeClr val="tx1">
-                    <a:lumMod val="50000"/>
-                    <a:lumOff val="50000"/>
-                  </a:schemeClr>
-                </a:solidFill>
-              </a:rPr>
-              <a:t>definidos</a:t>
-            </a:r>
-            <a:r>
-              <a:rPr lang="en-US" dirty="0">
-                <a:solidFill>
-                  <a:schemeClr val="tx1">
-                    <a:lumMod val="50000"/>
-                    <a:lumOff val="50000"/>
-                  </a:schemeClr>
-                </a:solidFill>
-              </a:rPr>
-              <a:t> por ICOVID Chile</a:t>
-            </a:r>
-            <a:endParaRPr lang="en-US" dirty="0"/>
-          </a:p>
-        </p:txBody>
-      </p:sp>
-      <p:pic>
-        <p:nvPicPr>
-          <p:cNvPr id="3" name="Picture 2">
-            <a:extLst>
-              <a:ext uri="{FF2B5EF4-FFF2-40B4-BE49-F238E27FC236}">
-                <a16:creationId xmlns:a16="http://schemas.microsoft.com/office/drawing/2014/main" id="{4B9740AA-4ABB-3F43-99AC-F721C434EEE5}"/>
-              </a:ext>
-            </a:extLst>
-          </p:cNvPr>
-          <p:cNvPicPr>
-            <a:picLocks noChangeAspect="1"/>
-          </p:cNvPicPr>
-          <p:nvPr/>
-        </p:nvPicPr>
-        <p:blipFill>
-          <a:blip r:embed="rId2"/>
-          <a:stretch>
-            <a:fillRect/>
-          </a:stretch>
-        </p:blipFill>
-        <p:spPr>
-          <a:xfrm>
-            <a:off x="336550" y="565150"/>
-            <a:ext cx="11199638" cy="5568949"/>
-          </a:xfrm>
-          <a:prstGeom prst="rect">
-            <a:avLst/>
-          </a:prstGeom>
-        </p:spPr>
-      </p:pic>
+            <a:r>
+              <a:rPr lang="en-US" sz="6000" dirty="0"/>
+              <a:t>SITUACIÓN REGIONAL</a:t>
+            </a:r>
+          </a:p>
+        </p:txBody>
+      </p:sp>
+      <p:sp>
+        <p:nvSpPr>
+          <p:cNvPr id="5" name="Title 4">
+            <a:extLst>
+              <a:ext uri="{FF2B5EF4-FFF2-40B4-BE49-F238E27FC236}">
+                <a16:creationId xmlns:a16="http://schemas.microsoft.com/office/drawing/2014/main" id="{5B465201-ED47-B64A-B505-4DDA25649C32}"/>
+              </a:ext>
+            </a:extLst>
+          </p:cNvPr>
+          <p:cNvSpPr>
+            <a:spLocks noGrp="1"/>
+          </p:cNvSpPr>
+          <p:nvPr>
+            <p:ph type="title"/>
+          </p:nvPr>
+        </p:nvSpPr>
+        <p:spPr/>
+        <p:txBody>
+          <a:bodyPr/>
+          <a:lstStyle/>
+          <a:p>
+            <a:endParaRPr lang="en-US"/>
+          </a:p>
+        </p:txBody>
+      </p:sp>
     </p:spTree>
     <p:extLst>
       <p:ext uri="{BB962C8B-B14F-4D97-AF65-F5344CB8AC3E}">
-        <p14:creationId xmlns:p14="http://schemas.microsoft.com/office/powerpoint/2010/main" val="2768918117"/>
+        <p14:creationId xmlns:p14="http://schemas.microsoft.com/office/powerpoint/2010/main" val="3222710163"/>
       </p:ext>
     </p:extLst>
   </p:cSld>
@@ -6165,7 +6055,7 @@
         </p:nvSpPr>
         <p:spPr>
           <a:xfrm>
-            <a:off x="2808600" y="28135"/>
+            <a:off x="2808604" y="28135"/>
             <a:ext cx="6574813" cy="584775"/>
           </a:xfrm>
           <a:prstGeom prst="rect">
@@ -6184,7 +6074,7 @@
               <a:rPr lang="en-US" sz="3200" dirty="0"/>
               <a:t>NIVEL DE CONTAGIO – 15 ENERO 2022</a:t>
             </a:r>
-            <a:endParaRPr lang="en-US" sz="3200" dirty="0">
+            <a:endParaRPr lang="en-US" sz="2000" dirty="0">
               <a:solidFill>
                 <a:schemeClr val="tx1">
                   <a:lumMod val="50000"/>
@@ -6294,10 +6184,10 @@
       </p:sp>
       <p:pic>
         <p:nvPicPr>
-          <p:cNvPr id="2" name="Picture 1">
-            <a:extLst>
-              <a:ext uri="{FF2B5EF4-FFF2-40B4-BE49-F238E27FC236}">
-                <a16:creationId xmlns:a16="http://schemas.microsoft.com/office/drawing/2014/main" id="{B6E30081-5ECE-7643-B71D-4F9F67A27CD2}"/>
+          <p:cNvPr id="3" name="Picture 2">
+            <a:extLst>
+              <a:ext uri="{FF2B5EF4-FFF2-40B4-BE49-F238E27FC236}">
+                <a16:creationId xmlns:a16="http://schemas.microsoft.com/office/drawing/2014/main" id="{4B9740AA-4ABB-3F43-99AC-F721C434EEE5}"/>
               </a:ext>
             </a:extLst>
           </p:cNvPr>
@@ -6314,8 +6204,8 @@
         </p:blipFill>
         <p:spPr>
           <a:xfrm>
-            <a:off x="467018" y="573687"/>
-            <a:ext cx="11257964" cy="5560412"/>
+            <a:off x="336550" y="565150"/>
+            <a:ext cx="11199638" cy="5568949"/>
           </a:xfrm>
           <a:prstGeom prst="rect">
             <a:avLst/>
@@ -6325,7 +6215,7 @@
     </p:spTree>
     <p:extLst>
       <p:ext uri="{BB962C8B-B14F-4D97-AF65-F5344CB8AC3E}">
-        <p14:creationId xmlns:p14="http://schemas.microsoft.com/office/powerpoint/2010/main" val="3701293729"/>
+        <p14:creationId xmlns:p14="http://schemas.microsoft.com/office/powerpoint/2010/main" val="2768918117"/>
       </p:ext>
     </p:extLst>
   </p:cSld>
@@ -6354,10 +6244,10 @@
       </p:grpSpPr>
       <p:sp>
         <p:nvSpPr>
-          <p:cNvPr id="5" name="TextBox 4">
-            <a:extLst>
-              <a:ext uri="{FF2B5EF4-FFF2-40B4-BE49-F238E27FC236}">
-                <a16:creationId xmlns:a16="http://schemas.microsoft.com/office/drawing/2014/main" id="{5812A473-A74C-FC4F-8976-C670E80DF397}"/>
+          <p:cNvPr id="7" name="TextBox 6">
+            <a:extLst>
+              <a:ext uri="{FF2B5EF4-FFF2-40B4-BE49-F238E27FC236}">
+                <a16:creationId xmlns:a16="http://schemas.microsoft.com/office/drawing/2014/main" id="{55690B03-9D47-C14E-B04F-CDC54442A1B8}"/>
               </a:ext>
             </a:extLst>
           </p:cNvPr>
@@ -6366,8 +6256,8 @@
         </p:nvSpPr>
         <p:spPr>
           <a:xfrm>
-            <a:off x="0" y="6448620"/>
-            <a:ext cx="8132354" cy="369332"/>
+            <a:off x="2808600" y="28135"/>
+            <a:ext cx="6574813" cy="584775"/>
           </a:xfrm>
           <a:prstGeom prst="rect">
             <a:avLst/>
@@ -6380,142 +6270,125 @@
           </a:bodyPr>
           <a:lstStyle/>
           <a:p>
-            <a:r>
-              <a:rPr lang="en-US" dirty="0"/>
-              <a:t>Fuente: Centro de </a:t>
-            </a:r>
-            <a:r>
-              <a:rPr lang="en-US" dirty="0" err="1"/>
-              <a:t>Modelamiento</a:t>
-            </a:r>
-            <a:r>
-              <a:rPr lang="en-US" dirty="0"/>
-              <a:t> </a:t>
-            </a:r>
-            <a:r>
-              <a:rPr lang="en-US" dirty="0" err="1"/>
-              <a:t>Matemático</a:t>
-            </a:r>
-            <a:r>
-              <a:rPr lang="en-US" dirty="0"/>
-              <a:t>, http://covid-19vis.cmm.uchile.cl/race</a:t>
-            </a:r>
-          </a:p>
-        </p:txBody>
-      </p:sp>
-      <p:sp>
-        <p:nvSpPr>
-          <p:cNvPr id="6" name="TextBox 5">
-            <a:extLst>
-              <a:ext uri="{FF2B5EF4-FFF2-40B4-BE49-F238E27FC236}">
-                <a16:creationId xmlns:a16="http://schemas.microsoft.com/office/drawing/2014/main" id="{74423459-FDA9-4647-8DC3-91E9FEA07904}"/>
-              </a:ext>
-            </a:extLst>
-          </p:cNvPr>
-          <p:cNvSpPr txBox="1"/>
+            <a:pPr algn="ctr"/>
+            <a:r>
+              <a:rPr lang="en-US" sz="3200" dirty="0"/>
+              <a:t>NIVEL DE CONTAGIO – 15 ENERO 2022</a:t>
+            </a:r>
+            <a:endParaRPr lang="en-US" sz="3200" dirty="0">
+              <a:solidFill>
+                <a:schemeClr val="tx1">
+                  <a:lumMod val="50000"/>
+                  <a:lumOff val="50000"/>
+                </a:schemeClr>
+              </a:solidFill>
+            </a:endParaRPr>
+          </a:p>
+        </p:txBody>
+      </p:sp>
+      <p:sp>
+        <p:nvSpPr>
+          <p:cNvPr id="4" name="Rectangle 3">
+            <a:extLst>
+              <a:ext uri="{FF2B5EF4-FFF2-40B4-BE49-F238E27FC236}">
+                <a16:creationId xmlns:a16="http://schemas.microsoft.com/office/drawing/2014/main" id="{D8843A03-435E-7540-A3E7-D35A280C5CFD}"/>
+              </a:ext>
+            </a:extLst>
+          </p:cNvPr>
+          <p:cNvSpPr/>
           <p:nvPr/>
         </p:nvSpPr>
         <p:spPr>
           <a:xfrm>
-            <a:off x="1966600" y="-18567"/>
-            <a:ext cx="8258799" cy="738664"/>
+            <a:off x="4114326" y="6134099"/>
+            <a:ext cx="4238212" cy="369332"/>
           </a:xfrm>
           <a:prstGeom prst="rect">
             <a:avLst/>
           </a:prstGeom>
-          <a:noFill/>
-        </p:spPr>
-        <p:txBody>
-          <a:bodyPr wrap="none" rtlCol="0">
+        </p:spPr>
+        <p:txBody>
+          <a:bodyPr wrap="none">
             <a:spAutoFit/>
           </a:bodyPr>
           <a:lstStyle/>
           <a:p>
-            <a:pPr algn="ctr"/>
-            <a:r>
-              <a:rPr lang="en-US" sz="2400" dirty="0" err="1"/>
-              <a:t>Número</a:t>
-            </a:r>
-            <a:r>
-              <a:rPr lang="en-US" sz="2400" dirty="0"/>
+            <a:r>
+              <a:rPr lang="en-US" dirty="0" err="1">
+                <a:solidFill>
+                  <a:schemeClr val="tx1">
+                    <a:lumMod val="50000"/>
+                    <a:lumOff val="50000"/>
+                  </a:schemeClr>
+                </a:solidFill>
+              </a:rPr>
+              <a:t>Según</a:t>
+            </a:r>
+            <a:r>
+              <a:rPr lang="en-US" dirty="0">
+                <a:solidFill>
+                  <a:schemeClr val="tx1">
+                    <a:lumMod val="50000"/>
+                    <a:lumOff val="50000"/>
+                  </a:schemeClr>
+                </a:solidFill>
+              </a:rPr>
               <a:t> </a:t>
             </a:r>
             <a:r>
-              <a:rPr lang="en-US" sz="2400" dirty="0" err="1"/>
-              <a:t>reproductivo</a:t>
-            </a:r>
-            <a:r>
-              <a:rPr lang="en-US" sz="2400" dirty="0"/>
+              <a:rPr lang="en-US" dirty="0" err="1">
+                <a:solidFill>
+                  <a:schemeClr val="tx1">
+                    <a:lumMod val="50000"/>
+                    <a:lumOff val="50000"/>
+                  </a:schemeClr>
+                </a:solidFill>
+              </a:rPr>
+              <a:t>umbrales</a:t>
+            </a:r>
+            <a:r>
+              <a:rPr lang="en-US" dirty="0">
+                <a:solidFill>
+                  <a:schemeClr val="tx1">
+                    <a:lumMod val="50000"/>
+                    <a:lumOff val="50000"/>
+                  </a:schemeClr>
+                </a:solidFill>
+              </a:rPr>
               <a:t> </a:t>
             </a:r>
             <a:r>
-              <a:rPr lang="en-US" sz="2400" dirty="0" err="1"/>
-              <a:t>efectivo</a:t>
-            </a:r>
-            <a:r>
-              <a:rPr lang="en-US" sz="2400" dirty="0"/>
-              <a:t> (o R </a:t>
-            </a:r>
-            <a:r>
-              <a:rPr lang="en-US" sz="2400" dirty="0" err="1"/>
-              <a:t>efectivo</a:t>
-            </a:r>
-            <a:r>
-              <a:rPr lang="en-US" sz="2400" dirty="0"/>
-              <a:t>) </a:t>
-            </a:r>
-          </a:p>
-          <a:p>
-            <a:pPr algn="ctr"/>
-            <a:r>
-              <a:rPr lang="en-US" dirty="0" err="1"/>
-              <a:t>Corresponde</a:t>
-            </a:r>
-            <a:r>
-              <a:rPr lang="en-US" dirty="0"/>
-              <a:t> al </a:t>
-            </a:r>
-            <a:r>
-              <a:rPr lang="en-US" dirty="0" err="1"/>
-              <a:t>número</a:t>
-            </a:r>
-            <a:r>
-              <a:rPr lang="en-US" dirty="0"/>
-              <a:t> </a:t>
-            </a:r>
-            <a:r>
-              <a:rPr lang="en-US" dirty="0" err="1"/>
-              <a:t>promedio</a:t>
-            </a:r>
-            <a:r>
-              <a:rPr lang="en-US" dirty="0"/>
-              <a:t> de personas </a:t>
-            </a:r>
-            <a:r>
-              <a:rPr lang="en-US" dirty="0" err="1"/>
-              <a:t>infectadas</a:t>
-            </a:r>
-            <a:r>
-              <a:rPr lang="en-US" dirty="0"/>
-              <a:t> por una persona </a:t>
-            </a:r>
-            <a:r>
-              <a:rPr lang="en-US" dirty="0" err="1"/>
-              <a:t>infecciosa</a:t>
-            </a:r>
-            <a:r>
-              <a:rPr lang="en-US" dirty="0"/>
-              <a:t>. </a:t>
-            </a:r>
+              <a:rPr lang="en-US" dirty="0" err="1">
+                <a:solidFill>
+                  <a:schemeClr val="tx1">
+                    <a:lumMod val="50000"/>
+                    <a:lumOff val="50000"/>
+                  </a:schemeClr>
+                </a:solidFill>
+              </a:rPr>
+              <a:t>definidos</a:t>
+            </a:r>
+            <a:r>
+              <a:rPr lang="en-US" dirty="0">
+                <a:solidFill>
+                  <a:schemeClr val="tx1">
+                    <a:lumMod val="50000"/>
+                    <a:lumOff val="50000"/>
+                  </a:schemeClr>
+                </a:solidFill>
+              </a:rPr>
+              <a:t> por ICOVID Chile</a:t>
+            </a:r>
+            <a:endParaRPr lang="en-US" dirty="0"/>
           </a:p>
         </p:txBody>
       </p:sp>
       <p:pic>
         <p:nvPicPr>
-          <p:cNvPr id="3" name="Picture 2" descr="Chart, bar chart&#10;&#10;Description automatically generated">
-            <a:extLst>
-              <a:ext uri="{FF2B5EF4-FFF2-40B4-BE49-F238E27FC236}">
-                <a16:creationId xmlns:a16="http://schemas.microsoft.com/office/drawing/2014/main" id="{CE45C32A-AF94-3F40-ABBA-A66D3482518D}"/>
+          <p:cNvPr id="2" name="Picture 1">
+            <a:extLst>
+              <a:ext uri="{FF2B5EF4-FFF2-40B4-BE49-F238E27FC236}">
+                <a16:creationId xmlns:a16="http://schemas.microsoft.com/office/drawing/2014/main" id="{B6E30081-5ECE-7643-B71D-4F9F67A27CD2}"/>
               </a:ext>
             </a:extLst>
           </p:cNvPr>
@@ -6532,8 +6405,8 @@
         </p:blipFill>
         <p:spPr>
           <a:xfrm>
-            <a:off x="1966600" y="855383"/>
-            <a:ext cx="9662477" cy="5457951"/>
+            <a:off x="467018" y="573687"/>
+            <a:ext cx="11257964" cy="5560412"/>
           </a:xfrm>
           <a:prstGeom prst="rect">
             <a:avLst/>
@@ -6543,7 +6416,7 @@
     </p:spTree>
     <p:extLst>
       <p:ext uri="{BB962C8B-B14F-4D97-AF65-F5344CB8AC3E}">
-        <p14:creationId xmlns:p14="http://schemas.microsoft.com/office/powerpoint/2010/main" val="1545126083"/>
+        <p14:creationId xmlns:p14="http://schemas.microsoft.com/office/powerpoint/2010/main" val="3701293729"/>
       </p:ext>
     </p:extLst>
   </p:cSld>
@@ -6572,10 +6445,10 @@
       </p:grpSpPr>
       <p:sp>
         <p:nvSpPr>
-          <p:cNvPr id="9" name="TextBox 8">
-            <a:extLst>
-              <a:ext uri="{FF2B5EF4-FFF2-40B4-BE49-F238E27FC236}">
-                <a16:creationId xmlns:a16="http://schemas.microsoft.com/office/drawing/2014/main" id="{22433A70-977D-C840-9BCB-9ECF9B80CB77}"/>
+          <p:cNvPr id="5" name="TextBox 4">
+            <a:extLst>
+              <a:ext uri="{FF2B5EF4-FFF2-40B4-BE49-F238E27FC236}">
+                <a16:creationId xmlns:a16="http://schemas.microsoft.com/office/drawing/2014/main" id="{5812A473-A74C-FC4F-8976-C670E80DF397}"/>
               </a:ext>
             </a:extLst>
           </p:cNvPr>
@@ -6584,8 +6457,8 @@
         </p:nvSpPr>
         <p:spPr>
           <a:xfrm>
-            <a:off x="4156518" y="0"/>
-            <a:ext cx="4475712" cy="707886"/>
+            <a:off x="0" y="6448620"/>
+            <a:ext cx="8132354" cy="369332"/>
           </a:xfrm>
           <a:prstGeom prst="rect">
             <a:avLst/>
@@ -6599,288 +6472,169 @@
           <a:lstStyle/>
           <a:p>
             <a:r>
-              <a:rPr lang="en-US" sz="4000" dirty="0"/>
-              <a:t>RESUMEN SEMANAL</a:t>
-            </a:r>
-          </a:p>
-        </p:txBody>
-      </p:sp>
-      <p:sp>
-        <p:nvSpPr>
-          <p:cNvPr id="3" name="Rectangle 2">
-            <a:extLst>
-              <a:ext uri="{FF2B5EF4-FFF2-40B4-BE49-F238E27FC236}">
-                <a16:creationId xmlns:a16="http://schemas.microsoft.com/office/drawing/2014/main" id="{23A63C90-DCF1-FF43-ADFA-D8F0C39EA90F}"/>
-              </a:ext>
-            </a:extLst>
-          </p:cNvPr>
-          <p:cNvSpPr/>
+              <a:rPr lang="en-US" dirty="0"/>
+              <a:t>Fuente: Centro de </a:t>
+            </a:r>
+            <a:r>
+              <a:rPr lang="en-US" dirty="0" err="1"/>
+              <a:t>Modelamiento</a:t>
+            </a:r>
+            <a:r>
+              <a:rPr lang="en-US" dirty="0"/>
+              <a:t> </a:t>
+            </a:r>
+            <a:r>
+              <a:rPr lang="en-US" dirty="0" err="1"/>
+              <a:t>Matemático</a:t>
+            </a:r>
+            <a:r>
+              <a:rPr lang="en-US" dirty="0"/>
+              <a:t>, http://covid-19vis.cmm.uchile.cl/race</a:t>
+            </a:r>
+          </a:p>
+        </p:txBody>
+      </p:sp>
+      <p:sp>
+        <p:nvSpPr>
+          <p:cNvPr id="6" name="TextBox 5">
+            <a:extLst>
+              <a:ext uri="{FF2B5EF4-FFF2-40B4-BE49-F238E27FC236}">
+                <a16:creationId xmlns:a16="http://schemas.microsoft.com/office/drawing/2014/main" id="{74423459-FDA9-4647-8DC3-91E9FEA07904}"/>
+              </a:ext>
+            </a:extLst>
+          </p:cNvPr>
+          <p:cNvSpPr txBox="1"/>
           <p:nvPr/>
         </p:nvSpPr>
         <p:spPr>
           <a:xfrm>
-            <a:off x="462140" y="1610486"/>
-            <a:ext cx="4824000" cy="1569660"/>
+            <a:off x="1966600" y="-18567"/>
+            <a:ext cx="8258799" cy="738664"/>
           </a:xfrm>
           <a:prstGeom prst="rect">
             <a:avLst/>
           </a:prstGeom>
-          <a:ln>
-            <a:solidFill>
-              <a:schemeClr val="tx1">
-                <a:lumMod val="50000"/>
-                <a:lumOff val="50000"/>
-              </a:schemeClr>
-            </a:solidFill>
-          </a:ln>
-        </p:spPr>
-        <p:txBody>
-          <a:bodyPr wrap="square">
+          <a:noFill/>
+        </p:spPr>
+        <p:txBody>
+          <a:bodyPr wrap="none" rtlCol="0">
             <a:spAutoFit/>
           </a:bodyPr>
           <a:lstStyle/>
           <a:p>
             <a:pPr algn="ctr"/>
             <a:r>
-              <a:rPr lang="en-US" sz="3200" dirty="0" err="1">
-                <a:solidFill>
-                  <a:schemeClr val="tx1">
-                    <a:lumMod val="65000"/>
-                    <a:lumOff val="35000"/>
-                  </a:schemeClr>
-                </a:solidFill>
-              </a:rPr>
-              <a:t>Hospitalizaciones</a:t>
-            </a:r>
-            <a:r>
-              <a:rPr lang="en-US" sz="3200" dirty="0">
-                <a:solidFill>
-                  <a:schemeClr val="tx1">
-                    <a:lumMod val="65000"/>
-                    <a:lumOff val="35000"/>
-                  </a:schemeClr>
-                </a:solidFill>
-              </a:rPr>
+              <a:rPr lang="en-US" sz="2400" dirty="0" err="1"/>
+              <a:t>Número</a:t>
+            </a:r>
+            <a:r>
+              <a:rPr lang="en-US" sz="2400" dirty="0"/>
               <a:t> </a:t>
             </a:r>
             <a:r>
-              <a:rPr lang="en-US" sz="3200" dirty="0" err="1">
-                <a:solidFill>
-                  <a:schemeClr val="tx1">
-                    <a:lumMod val="65000"/>
-                    <a:lumOff val="35000"/>
-                  </a:schemeClr>
-                </a:solidFill>
-              </a:rPr>
-              <a:t>en</a:t>
-            </a:r>
-            <a:r>
-              <a:rPr lang="en-US" sz="3200" dirty="0">
-                <a:solidFill>
-                  <a:schemeClr val="tx1">
-                    <a:lumMod val="65000"/>
-                    <a:lumOff val="35000"/>
-                  </a:schemeClr>
-                </a:solidFill>
-              </a:rPr>
-              <a:t> UCI</a:t>
+              <a:rPr lang="en-US" sz="2400" dirty="0" err="1"/>
+              <a:t>reproductivo</a:t>
+            </a:r>
+            <a:r>
+              <a:rPr lang="en-US" sz="2400" dirty="0"/>
+              <a:t> </a:t>
+            </a:r>
+            <a:r>
+              <a:rPr lang="en-US" sz="2400" dirty="0" err="1"/>
+              <a:t>efectivo</a:t>
+            </a:r>
+            <a:r>
+              <a:rPr lang="en-US" sz="2400" dirty="0"/>
+              <a:t> (o R </a:t>
+            </a:r>
+            <a:r>
+              <a:rPr lang="en-US" sz="2400" dirty="0" err="1"/>
+              <a:t>efectivo</a:t>
+            </a:r>
+            <a:r>
+              <a:rPr lang="en-US" sz="2400" dirty="0"/>
+              <a:t>) </a:t>
             </a:r>
           </a:p>
           <a:p>
             <a:pPr algn="ctr"/>
-            <a:endParaRPr lang="en-US" dirty="0"/>
-          </a:p>
-          <a:p>
-            <a:pPr algn="ctr"/>
-            <a:r>
-              <a:rPr lang="en-US" sz="2800" b="1" dirty="0">
-                <a:solidFill>
-                  <a:srgbClr val="FF0000"/>
-                </a:solidFill>
-              </a:rPr>
-              <a:t>BAJANDO</a:t>
-            </a:r>
-          </a:p>
-          <a:p>
-            <a:pPr algn="ctr"/>
-            <a:endParaRPr lang="en-US" dirty="0"/>
-          </a:p>
-        </p:txBody>
-      </p:sp>
-      <p:sp>
-        <p:nvSpPr>
-          <p:cNvPr id="6" name="Rectangle 5">
-            <a:extLst>
-              <a:ext uri="{FF2B5EF4-FFF2-40B4-BE49-F238E27FC236}">
-                <a16:creationId xmlns:a16="http://schemas.microsoft.com/office/drawing/2014/main" id="{123C3ADC-F344-EC47-BE69-A5C7C2F032A1}"/>
-              </a:ext>
-            </a:extLst>
-          </p:cNvPr>
-          <p:cNvSpPr/>
+            <a:r>
+              <a:rPr lang="en-US" dirty="0" err="1"/>
+              <a:t>Corresponde</a:t>
+            </a:r>
+            <a:r>
+              <a:rPr lang="en-US" dirty="0"/>
+              <a:t> al </a:t>
+            </a:r>
+            <a:r>
+              <a:rPr lang="en-US" dirty="0" err="1"/>
+              <a:t>número</a:t>
+            </a:r>
+            <a:r>
+              <a:rPr lang="en-US" dirty="0"/>
+              <a:t> </a:t>
+            </a:r>
+            <a:r>
+              <a:rPr lang="en-US" dirty="0" err="1"/>
+              <a:t>promedio</a:t>
+            </a:r>
+            <a:r>
+              <a:rPr lang="en-US" dirty="0"/>
+              <a:t> de personas </a:t>
+            </a:r>
+            <a:r>
+              <a:rPr lang="en-US" dirty="0" err="1"/>
+              <a:t>infectadas</a:t>
+            </a:r>
+            <a:r>
+              <a:rPr lang="en-US" dirty="0"/>
+              <a:t> por una persona </a:t>
+            </a:r>
+            <a:r>
+              <a:rPr lang="en-US" dirty="0" err="1"/>
+              <a:t>infecciosa</a:t>
+            </a:r>
+            <a:r>
+              <a:rPr lang="en-US" dirty="0"/>
+              <a:t>. </a:t>
+            </a:r>
+          </a:p>
+        </p:txBody>
+      </p:sp>
+      <p:pic>
+        <p:nvPicPr>
+          <p:cNvPr id="3" name="Picture 2" descr="Chart, bar chart&#10;&#10;Description automatically generated">
+            <a:extLst>
+              <a:ext uri="{FF2B5EF4-FFF2-40B4-BE49-F238E27FC236}">
+                <a16:creationId xmlns:a16="http://schemas.microsoft.com/office/drawing/2014/main" id="{CE45C32A-AF94-3F40-ABBA-A66D3482518D}"/>
+              </a:ext>
+            </a:extLst>
+          </p:cNvPr>
+          <p:cNvPicPr>
+            <a:picLocks noChangeAspect="1"/>
+          </p:cNvPicPr>
           <p:nvPr/>
-        </p:nvSpPr>
-        <p:spPr>
-          <a:xfrm>
-            <a:off x="6825529" y="1614877"/>
-            <a:ext cx="4823999" cy="1565269"/>
+        </p:nvPicPr>
+        <p:blipFill>
+          <a:blip r:embed="rId2"/>
+          <a:stretch>
+            <a:fillRect/>
+          </a:stretch>
+        </p:blipFill>
+        <p:spPr>
+          <a:xfrm>
+            <a:off x="1966600" y="855383"/>
+            <a:ext cx="9662477" cy="5457951"/>
           </a:xfrm>
           <a:prstGeom prst="rect">
             <a:avLst/>
           </a:prstGeom>
-          <a:ln>
-            <a:solidFill>
-              <a:schemeClr val="tx1">
-                <a:lumMod val="50000"/>
-                <a:lumOff val="50000"/>
-              </a:schemeClr>
-            </a:solidFill>
-          </a:ln>
-        </p:spPr>
-        <p:txBody>
-          <a:bodyPr wrap="square">
-            <a:spAutoFit/>
-          </a:bodyPr>
-          <a:lstStyle/>
-          <a:p>
-            <a:pPr algn="ctr"/>
-            <a:r>
-              <a:rPr lang="en-US" sz="3200" dirty="0" err="1">
-                <a:solidFill>
-                  <a:schemeClr val="tx1">
-                    <a:lumMod val="65000"/>
-                    <a:lumOff val="35000"/>
-                  </a:schemeClr>
-                </a:solidFill>
-              </a:rPr>
-              <a:t>Fallecidos</a:t>
-            </a:r>
-            <a:r>
-              <a:rPr lang="en-US" sz="3200" dirty="0">
-                <a:solidFill>
-                  <a:schemeClr val="tx1">
-                    <a:lumMod val="65000"/>
-                    <a:lumOff val="35000"/>
-                  </a:schemeClr>
-                </a:solidFill>
-              </a:rPr>
-              <a:t> </a:t>
-            </a:r>
-            <a:r>
-              <a:rPr lang="en-US" sz="3200" dirty="0" err="1">
-                <a:solidFill>
-                  <a:schemeClr val="tx1">
-                    <a:lumMod val="65000"/>
-                    <a:lumOff val="35000"/>
-                  </a:schemeClr>
-                </a:solidFill>
-              </a:rPr>
-              <a:t>semanales</a:t>
-            </a:r>
-            <a:endParaRPr lang="en-US" sz="3200" dirty="0">
-              <a:solidFill>
-                <a:schemeClr val="tx1">
-                  <a:lumMod val="65000"/>
-                  <a:lumOff val="35000"/>
-                </a:schemeClr>
-              </a:solidFill>
-            </a:endParaRPr>
-          </a:p>
-          <a:p>
-            <a:pPr algn="ctr"/>
-            <a:endParaRPr lang="en-US" dirty="0"/>
-          </a:p>
-          <a:p>
-            <a:pPr algn="ctr"/>
-            <a:r>
-              <a:rPr lang="en-US" sz="2800" b="1" dirty="0">
-                <a:solidFill>
-                  <a:srgbClr val="FF0000"/>
-                </a:solidFill>
-              </a:rPr>
-              <a:t>SUBIENDO</a:t>
-            </a:r>
-            <a:endParaRPr lang="en-US" sz="2800" b="1" dirty="0">
-              <a:solidFill>
-                <a:srgbClr val="00417C"/>
-              </a:solidFill>
-            </a:endParaRPr>
-          </a:p>
-          <a:p>
-            <a:pPr algn="ctr"/>
-            <a:endParaRPr lang="en-US" dirty="0"/>
-          </a:p>
-        </p:txBody>
-      </p:sp>
-      <p:sp>
-        <p:nvSpPr>
-          <p:cNvPr id="8" name="Rectangle 7">
-            <a:extLst>
-              <a:ext uri="{FF2B5EF4-FFF2-40B4-BE49-F238E27FC236}">
-                <a16:creationId xmlns:a16="http://schemas.microsoft.com/office/drawing/2014/main" id="{0811E62D-18FC-C040-AC7D-3ACBA4D09B8E}"/>
-              </a:ext>
-            </a:extLst>
-          </p:cNvPr>
-          <p:cNvSpPr/>
-          <p:nvPr/>
-        </p:nvSpPr>
-        <p:spPr>
-          <a:xfrm>
-            <a:off x="1925460" y="4082746"/>
-            <a:ext cx="8937827" cy="1292662"/>
-          </a:xfrm>
-          <a:prstGeom prst="rect">
-            <a:avLst/>
-          </a:prstGeom>
-          <a:ln>
-            <a:solidFill>
-              <a:schemeClr val="tx1">
-                <a:lumMod val="50000"/>
-                <a:lumOff val="50000"/>
-              </a:schemeClr>
-            </a:solidFill>
-          </a:ln>
-        </p:spPr>
-        <p:txBody>
-          <a:bodyPr wrap="square">
-            <a:spAutoFit/>
-          </a:bodyPr>
-          <a:lstStyle/>
-          <a:p>
-            <a:pPr algn="ctr"/>
-            <a:r>
-              <a:rPr lang="en-US" sz="3200" dirty="0">
-                <a:solidFill>
-                  <a:schemeClr val="tx1">
-                    <a:lumMod val="65000"/>
-                    <a:lumOff val="35000"/>
-                  </a:schemeClr>
-                </a:solidFill>
-              </a:rPr>
-              <a:t>NIVEL DE CONTAGIOS</a:t>
-            </a:r>
-          </a:p>
-          <a:p>
-            <a:pPr algn="ctr"/>
-            <a:endParaRPr lang="en-US" dirty="0"/>
-          </a:p>
-          <a:p>
-            <a:pPr algn="ctr"/>
-            <a:r>
-              <a:rPr lang="en-US" sz="2800" b="1" dirty="0">
-                <a:solidFill>
-                  <a:srgbClr val="FF0000"/>
-                </a:solidFill>
-              </a:rPr>
-              <a:t>MUY ALTO Y SUBIENDO EN TODAS LAS REGIONES</a:t>
-            </a:r>
-            <a:endParaRPr lang="en-US" dirty="0"/>
-          </a:p>
-        </p:txBody>
-      </p:sp>
+        </p:spPr>
+      </p:pic>
     </p:spTree>
     <p:extLst>
       <p:ext uri="{BB962C8B-B14F-4D97-AF65-F5344CB8AC3E}">
-        <p14:creationId xmlns:p14="http://schemas.microsoft.com/office/powerpoint/2010/main" val="319308570"/>
+        <p14:creationId xmlns:p14="http://schemas.microsoft.com/office/powerpoint/2010/main" val="1545126083"/>
       </p:ext>
     </p:extLst>
   </p:cSld>
@@ -6999,10 +6753,10 @@
       </p:grpSpPr>
       <p:sp>
         <p:nvSpPr>
-          <p:cNvPr id="4" name="TextBox 3">
-            <a:extLst>
-              <a:ext uri="{FF2B5EF4-FFF2-40B4-BE49-F238E27FC236}">
-                <a16:creationId xmlns:a16="http://schemas.microsoft.com/office/drawing/2014/main" id="{5BCAFE7A-E299-D14E-9413-EB5C984AF441}"/>
+          <p:cNvPr id="9" name="TextBox 8">
+            <a:extLst>
+              <a:ext uri="{FF2B5EF4-FFF2-40B4-BE49-F238E27FC236}">
+                <a16:creationId xmlns:a16="http://schemas.microsoft.com/office/drawing/2014/main" id="{22433A70-977D-C840-9BCB-9ECF9B80CB77}"/>
               </a:ext>
             </a:extLst>
           </p:cNvPr>
@@ -7011,8 +6765,8 @@
         </p:nvSpPr>
         <p:spPr>
           <a:xfrm>
-            <a:off x="3621059" y="2846895"/>
-            <a:ext cx="4476610" cy="1015663"/>
+            <a:off x="4156518" y="0"/>
+            <a:ext cx="4475712" cy="707886"/>
           </a:xfrm>
           <a:prstGeom prst="rect">
             <a:avLst/>
@@ -7026,41 +6780,288 @@
           <a:lstStyle/>
           <a:p>
             <a:r>
-              <a:rPr lang="en-US" sz="6000" dirty="0"/>
-              <a:t>VACUNACIÓN</a:t>
-            </a:r>
-          </a:p>
-        </p:txBody>
-      </p:sp>
-      <p:sp>
-        <p:nvSpPr>
-          <p:cNvPr id="5" name="Title 4">
-            <a:extLst>
-              <a:ext uri="{FF2B5EF4-FFF2-40B4-BE49-F238E27FC236}">
-                <a16:creationId xmlns:a16="http://schemas.microsoft.com/office/drawing/2014/main" id="{5B465201-ED47-B64A-B505-4DDA25649C32}"/>
-              </a:ext>
-            </a:extLst>
-          </p:cNvPr>
-          <p:cNvSpPr>
-            <a:spLocks noGrp="1"/>
-          </p:cNvSpPr>
-          <p:nvPr>
-            <p:ph type="title"/>
-          </p:nvPr>
-        </p:nvSpPr>
-        <p:spPr/>
-        <p:txBody>
-          <a:bodyPr/>
-          <a:lstStyle/>
-          <a:p>
-            <a:endParaRPr lang="en-US"/>
+              <a:rPr lang="en-US" sz="4000" dirty="0"/>
+              <a:t>RESUMEN SEMANAL</a:t>
+            </a:r>
+          </a:p>
+        </p:txBody>
+      </p:sp>
+      <p:sp>
+        <p:nvSpPr>
+          <p:cNvPr id="3" name="Rectangle 2">
+            <a:extLst>
+              <a:ext uri="{FF2B5EF4-FFF2-40B4-BE49-F238E27FC236}">
+                <a16:creationId xmlns:a16="http://schemas.microsoft.com/office/drawing/2014/main" id="{23A63C90-DCF1-FF43-ADFA-D8F0C39EA90F}"/>
+              </a:ext>
+            </a:extLst>
+          </p:cNvPr>
+          <p:cNvSpPr/>
+          <p:nvPr/>
+        </p:nvSpPr>
+        <p:spPr>
+          <a:xfrm>
+            <a:off x="462140" y="1610486"/>
+            <a:ext cx="4824000" cy="1569660"/>
+          </a:xfrm>
+          <a:prstGeom prst="rect">
+            <a:avLst/>
+          </a:prstGeom>
+          <a:ln>
+            <a:solidFill>
+              <a:schemeClr val="tx1">
+                <a:lumMod val="50000"/>
+                <a:lumOff val="50000"/>
+              </a:schemeClr>
+            </a:solidFill>
+          </a:ln>
+        </p:spPr>
+        <p:txBody>
+          <a:bodyPr wrap="square">
+            <a:spAutoFit/>
+          </a:bodyPr>
+          <a:lstStyle/>
+          <a:p>
+            <a:pPr algn="ctr"/>
+            <a:r>
+              <a:rPr lang="en-US" sz="3200" dirty="0" err="1">
+                <a:solidFill>
+                  <a:schemeClr val="tx1">
+                    <a:lumMod val="65000"/>
+                    <a:lumOff val="35000"/>
+                  </a:schemeClr>
+                </a:solidFill>
+              </a:rPr>
+              <a:t>Hospitalizaciones</a:t>
+            </a:r>
+            <a:r>
+              <a:rPr lang="en-US" sz="3200" dirty="0">
+                <a:solidFill>
+                  <a:schemeClr val="tx1">
+                    <a:lumMod val="65000"/>
+                    <a:lumOff val="35000"/>
+                  </a:schemeClr>
+                </a:solidFill>
+              </a:rPr>
+              <a:t> </a:t>
+            </a:r>
+            <a:r>
+              <a:rPr lang="en-US" sz="3200" dirty="0" err="1">
+                <a:solidFill>
+                  <a:schemeClr val="tx1">
+                    <a:lumMod val="65000"/>
+                    <a:lumOff val="35000"/>
+                  </a:schemeClr>
+                </a:solidFill>
+              </a:rPr>
+              <a:t>en</a:t>
+            </a:r>
+            <a:r>
+              <a:rPr lang="en-US" sz="3200" dirty="0">
+                <a:solidFill>
+                  <a:schemeClr val="tx1">
+                    <a:lumMod val="65000"/>
+                    <a:lumOff val="35000"/>
+                  </a:schemeClr>
+                </a:solidFill>
+              </a:rPr>
+              <a:t> UCI</a:t>
+            </a:r>
+          </a:p>
+          <a:p>
+            <a:pPr algn="ctr"/>
+            <a:endParaRPr lang="en-US" dirty="0"/>
+          </a:p>
+          <a:p>
+            <a:pPr algn="ctr"/>
+            <a:r>
+              <a:rPr lang="en-US" sz="2800" b="1" dirty="0">
+                <a:solidFill>
+                  <a:srgbClr val="FF0000"/>
+                </a:solidFill>
+              </a:rPr>
+              <a:t>BAJANDO</a:t>
+            </a:r>
+          </a:p>
+          <a:p>
+            <a:pPr algn="ctr"/>
+            <a:endParaRPr lang="en-US" dirty="0"/>
+          </a:p>
+        </p:txBody>
+      </p:sp>
+      <p:sp>
+        <p:nvSpPr>
+          <p:cNvPr id="6" name="Rectangle 5">
+            <a:extLst>
+              <a:ext uri="{FF2B5EF4-FFF2-40B4-BE49-F238E27FC236}">
+                <a16:creationId xmlns:a16="http://schemas.microsoft.com/office/drawing/2014/main" id="{123C3ADC-F344-EC47-BE69-A5C7C2F032A1}"/>
+              </a:ext>
+            </a:extLst>
+          </p:cNvPr>
+          <p:cNvSpPr/>
+          <p:nvPr/>
+        </p:nvSpPr>
+        <p:spPr>
+          <a:xfrm>
+            <a:off x="6825529" y="1614877"/>
+            <a:ext cx="4823999" cy="1565269"/>
+          </a:xfrm>
+          <a:prstGeom prst="rect">
+            <a:avLst/>
+          </a:prstGeom>
+          <a:ln>
+            <a:solidFill>
+              <a:schemeClr val="tx1">
+                <a:lumMod val="50000"/>
+                <a:lumOff val="50000"/>
+              </a:schemeClr>
+            </a:solidFill>
+          </a:ln>
+        </p:spPr>
+        <p:txBody>
+          <a:bodyPr wrap="square">
+            <a:spAutoFit/>
+          </a:bodyPr>
+          <a:lstStyle/>
+          <a:p>
+            <a:pPr algn="ctr"/>
+            <a:r>
+              <a:rPr lang="en-US" sz="3200" dirty="0" err="1">
+                <a:solidFill>
+                  <a:schemeClr val="tx1">
+                    <a:lumMod val="65000"/>
+                    <a:lumOff val="35000"/>
+                  </a:schemeClr>
+                </a:solidFill>
+              </a:rPr>
+              <a:t>Fallecidos</a:t>
+            </a:r>
+            <a:r>
+              <a:rPr lang="en-US" sz="3200" dirty="0">
+                <a:solidFill>
+                  <a:schemeClr val="tx1">
+                    <a:lumMod val="65000"/>
+                    <a:lumOff val="35000"/>
+                  </a:schemeClr>
+                </a:solidFill>
+              </a:rPr>
+              <a:t> </a:t>
+            </a:r>
+            <a:r>
+              <a:rPr lang="en-US" sz="3200" dirty="0" err="1">
+                <a:solidFill>
+                  <a:schemeClr val="tx1">
+                    <a:lumMod val="65000"/>
+                    <a:lumOff val="35000"/>
+                  </a:schemeClr>
+                </a:solidFill>
+              </a:rPr>
+              <a:t>semanales</a:t>
+            </a:r>
+            <a:endParaRPr lang="en-US" sz="3200" dirty="0">
+              <a:solidFill>
+                <a:schemeClr val="tx1">
+                  <a:lumMod val="65000"/>
+                  <a:lumOff val="35000"/>
+                </a:schemeClr>
+              </a:solidFill>
+            </a:endParaRPr>
+          </a:p>
+          <a:p>
+            <a:pPr algn="ctr"/>
+            <a:endParaRPr lang="en-US" dirty="0"/>
+          </a:p>
+          <a:p>
+            <a:pPr algn="ctr"/>
+            <a:r>
+              <a:rPr lang="en-US" sz="2800" b="1" dirty="0">
+                <a:solidFill>
+                  <a:srgbClr val="FF0000"/>
+                </a:solidFill>
+              </a:rPr>
+              <a:t>SUBIENDO</a:t>
+            </a:r>
+            <a:endParaRPr lang="en-US" sz="2800" b="1" dirty="0">
+              <a:solidFill>
+                <a:srgbClr val="00417C"/>
+              </a:solidFill>
+            </a:endParaRPr>
+          </a:p>
+          <a:p>
+            <a:pPr algn="ctr"/>
+            <a:endParaRPr lang="en-US" dirty="0"/>
+          </a:p>
+        </p:txBody>
+      </p:sp>
+      <p:sp>
+        <p:nvSpPr>
+          <p:cNvPr id="8" name="Rectangle 7">
+            <a:extLst>
+              <a:ext uri="{FF2B5EF4-FFF2-40B4-BE49-F238E27FC236}">
+                <a16:creationId xmlns:a16="http://schemas.microsoft.com/office/drawing/2014/main" id="{0811E62D-18FC-C040-AC7D-3ACBA4D09B8E}"/>
+              </a:ext>
+            </a:extLst>
+          </p:cNvPr>
+          <p:cNvSpPr/>
+          <p:nvPr/>
+        </p:nvSpPr>
+        <p:spPr>
+          <a:xfrm>
+            <a:off x="1925460" y="4082746"/>
+            <a:ext cx="8937827" cy="1292662"/>
+          </a:xfrm>
+          <a:prstGeom prst="rect">
+            <a:avLst/>
+          </a:prstGeom>
+          <a:ln>
+            <a:solidFill>
+              <a:schemeClr val="tx1">
+                <a:lumMod val="50000"/>
+                <a:lumOff val="50000"/>
+              </a:schemeClr>
+            </a:solidFill>
+          </a:ln>
+        </p:spPr>
+        <p:txBody>
+          <a:bodyPr wrap="square">
+            <a:spAutoFit/>
+          </a:bodyPr>
+          <a:lstStyle/>
+          <a:p>
+            <a:pPr algn="ctr"/>
+            <a:r>
+              <a:rPr lang="en-US" sz="3200" dirty="0">
+                <a:solidFill>
+                  <a:schemeClr val="tx1">
+                    <a:lumMod val="65000"/>
+                    <a:lumOff val="35000"/>
+                  </a:schemeClr>
+                </a:solidFill>
+              </a:rPr>
+              <a:t>NIVEL DE CONTAGIOS</a:t>
+            </a:r>
+          </a:p>
+          <a:p>
+            <a:pPr algn="ctr"/>
+            <a:endParaRPr lang="en-US" dirty="0"/>
+          </a:p>
+          <a:p>
+            <a:pPr algn="ctr"/>
+            <a:r>
+              <a:rPr lang="en-US" sz="2800" b="1" dirty="0">
+                <a:solidFill>
+                  <a:srgbClr val="FF0000"/>
+                </a:solidFill>
+              </a:rPr>
+              <a:t>MUY ALTO Y SUBIENDO EN TODAS LAS REGIONES</a:t>
+            </a:r>
+            <a:endParaRPr lang="en-US" dirty="0"/>
           </a:p>
         </p:txBody>
       </p:sp>
     </p:spTree>
     <p:extLst>
       <p:ext uri="{BB962C8B-B14F-4D97-AF65-F5344CB8AC3E}">
-        <p14:creationId xmlns:p14="http://schemas.microsoft.com/office/powerpoint/2010/main" val="568400835"/>
+        <p14:creationId xmlns:p14="http://schemas.microsoft.com/office/powerpoint/2010/main" val="319308570"/>
       </p:ext>
     </p:extLst>
   </p:cSld>
@@ -7089,10 +7090,10 @@
       </p:grpSpPr>
       <p:sp>
         <p:nvSpPr>
-          <p:cNvPr id="9" name="TextBox 8">
-            <a:extLst>
-              <a:ext uri="{FF2B5EF4-FFF2-40B4-BE49-F238E27FC236}">
-                <a16:creationId xmlns:a16="http://schemas.microsoft.com/office/drawing/2014/main" id="{22433A70-977D-C840-9BCB-9ECF9B80CB77}"/>
+          <p:cNvPr id="4" name="TextBox 3">
+            <a:extLst>
+              <a:ext uri="{FF2B5EF4-FFF2-40B4-BE49-F238E27FC236}">
+                <a16:creationId xmlns:a16="http://schemas.microsoft.com/office/drawing/2014/main" id="{5BCAFE7A-E299-D14E-9413-EB5C984AF441}"/>
               </a:ext>
             </a:extLst>
           </p:cNvPr>
@@ -7101,8 +7102,8 @@
         </p:nvSpPr>
         <p:spPr>
           <a:xfrm>
-            <a:off x="-73478" y="0"/>
-            <a:ext cx="12338956" cy="569387"/>
+            <a:off x="3621059" y="2846895"/>
+            <a:ext cx="4476610" cy="1015663"/>
           </a:xfrm>
           <a:prstGeom prst="rect">
             <a:avLst/>
@@ -7110,214 +7111,47 @@
           <a:noFill/>
         </p:spPr>
         <p:txBody>
-          <a:bodyPr wrap="square" rtlCol="0">
-            <a:spAutoFit/>
-          </a:bodyPr>
-          <a:lstStyle/>
-          <a:p>
-            <a:pPr algn="ctr"/>
-            <a:r>
-              <a:rPr lang="en-US" sz="3100" dirty="0" err="1"/>
-              <a:t>Cobertura</a:t>
-            </a:r>
-            <a:r>
-              <a:rPr lang="en-US" sz="3100" dirty="0"/>
-              <a:t> de </a:t>
-            </a:r>
-            <a:r>
-              <a:rPr lang="en-US" sz="3100" dirty="0" err="1"/>
-              <a:t>Vacunación</a:t>
-            </a:r>
-            <a:r>
-              <a:rPr lang="en-US" sz="3100" dirty="0"/>
-              <a:t> COVID-19 </a:t>
-            </a:r>
-            <a:r>
-              <a:rPr lang="en-US" sz="3100" dirty="0" err="1"/>
-              <a:t>en</a:t>
-            </a:r>
-            <a:r>
-              <a:rPr lang="en-US" sz="3100" dirty="0"/>
-              <a:t> Chile</a:t>
-            </a:r>
-          </a:p>
-        </p:txBody>
-      </p:sp>
-      <p:sp>
-        <p:nvSpPr>
-          <p:cNvPr id="11" name="TextBox 10">
-            <a:extLst>
-              <a:ext uri="{FF2B5EF4-FFF2-40B4-BE49-F238E27FC236}">
-                <a16:creationId xmlns:a16="http://schemas.microsoft.com/office/drawing/2014/main" id="{0148A4CA-3BDA-DF46-9B7F-0A23EBAA1D10}"/>
-              </a:ext>
-            </a:extLst>
-          </p:cNvPr>
-          <p:cNvSpPr txBox="1"/>
-          <p:nvPr/>
-        </p:nvSpPr>
-        <p:spPr>
-          <a:xfrm>
-            <a:off x="10236200" y="3995012"/>
-            <a:ext cx="237566" cy="369332"/>
-          </a:xfrm>
-          <a:prstGeom prst="rect">
-            <a:avLst/>
-          </a:prstGeom>
-          <a:noFill/>
-        </p:spPr>
-        <p:txBody>
           <a:bodyPr wrap="none" rtlCol="0">
             <a:spAutoFit/>
           </a:bodyPr>
           <a:lstStyle/>
           <a:p>
             <a:r>
-              <a:rPr lang="en-US" dirty="0"/>
-              <a:t> </a:t>
-            </a:r>
-          </a:p>
-        </p:txBody>
-      </p:sp>
-      <p:sp>
-        <p:nvSpPr>
-          <p:cNvPr id="5" name="TextBox 4">
-            <a:extLst>
-              <a:ext uri="{FF2B5EF4-FFF2-40B4-BE49-F238E27FC236}">
-                <a16:creationId xmlns:a16="http://schemas.microsoft.com/office/drawing/2014/main" id="{AE60033C-48B3-1E42-A180-100FEDC8D62B}"/>
-              </a:ext>
-            </a:extLst>
-          </p:cNvPr>
-          <p:cNvSpPr txBox="1"/>
-          <p:nvPr/>
-        </p:nvSpPr>
-        <p:spPr>
-          <a:xfrm>
-            <a:off x="160256" y="6447934"/>
-            <a:ext cx="5882188" cy="369332"/>
-          </a:xfrm>
-          <a:prstGeom prst="rect">
-            <a:avLst/>
-          </a:prstGeom>
-          <a:noFill/>
-        </p:spPr>
-        <p:txBody>
-          <a:bodyPr wrap="none" rtlCol="0">
-            <a:spAutoFit/>
-          </a:bodyPr>
-          <a:lstStyle/>
-          <a:p>
-            <a:r>
-              <a:rPr lang="en-US" dirty="0"/>
-              <a:t>Fuente: </a:t>
-            </a:r>
-            <a:r>
-              <a:rPr lang="en-US" dirty="0" err="1"/>
-              <a:t>Repositorio</a:t>
-            </a:r>
-            <a:r>
-              <a:rPr lang="en-US" dirty="0"/>
-              <a:t> de </a:t>
-            </a:r>
-            <a:r>
-              <a:rPr lang="en-US" dirty="0" err="1"/>
-              <a:t>Datos</a:t>
-            </a:r>
-            <a:r>
-              <a:rPr lang="en-US" dirty="0"/>
-              <a:t> COVID19, </a:t>
-            </a:r>
-            <a:r>
-              <a:rPr lang="en-US" dirty="0" err="1"/>
-              <a:t>Ministerio</a:t>
-            </a:r>
-            <a:r>
-              <a:rPr lang="en-US" dirty="0"/>
-              <a:t> de </a:t>
-            </a:r>
-            <a:r>
-              <a:rPr lang="en-US" dirty="0" err="1"/>
-              <a:t>Ciencia</a:t>
-            </a:r>
-            <a:endParaRPr lang="en-US" dirty="0"/>
-          </a:p>
-        </p:txBody>
-      </p:sp>
-      <p:pic>
-        <p:nvPicPr>
-          <p:cNvPr id="2" name="Picture 1">
-            <a:extLst>
-              <a:ext uri="{FF2B5EF4-FFF2-40B4-BE49-F238E27FC236}">
-                <a16:creationId xmlns:a16="http://schemas.microsoft.com/office/drawing/2014/main" id="{267828F7-4B45-B14F-BB85-FFBCE0A24E65}"/>
-              </a:ext>
-            </a:extLst>
-          </p:cNvPr>
-          <p:cNvPicPr>
-            <a:picLocks noChangeAspect="1"/>
-          </p:cNvPicPr>
-          <p:nvPr/>
-        </p:nvPicPr>
-        <p:blipFill>
-          <a:blip r:embed="rId2"/>
-          <a:stretch>
-            <a:fillRect/>
-          </a:stretch>
-        </p:blipFill>
-        <p:spPr>
-          <a:xfrm>
-            <a:off x="1041623" y="1365843"/>
-            <a:ext cx="10001641" cy="5082091"/>
-          </a:xfrm>
-          <a:prstGeom prst="rect">
-            <a:avLst/>
-          </a:prstGeom>
-        </p:spPr>
-      </p:pic>
-      <p:sp>
-        <p:nvSpPr>
-          <p:cNvPr id="4" name="TextBox 3">
-            <a:extLst>
-              <a:ext uri="{FF2B5EF4-FFF2-40B4-BE49-F238E27FC236}">
-                <a16:creationId xmlns:a16="http://schemas.microsoft.com/office/drawing/2014/main" id="{BC7FDC3C-98EF-EE40-8088-72C112C83A3D}"/>
-              </a:ext>
-            </a:extLst>
-          </p:cNvPr>
-          <p:cNvSpPr txBox="1"/>
-          <p:nvPr/>
-        </p:nvSpPr>
-        <p:spPr>
-          <a:xfrm>
-            <a:off x="4707254" y="675227"/>
-            <a:ext cx="2777492" cy="584775"/>
-          </a:xfrm>
-          <a:prstGeom prst="rect">
-            <a:avLst/>
-          </a:prstGeom>
-          <a:noFill/>
-        </p:spPr>
-        <p:txBody>
-          <a:bodyPr wrap="none" rtlCol="0">
-            <a:spAutoFit/>
-          </a:bodyPr>
-          <a:lstStyle/>
-          <a:p>
-            <a:r>
-              <a:rPr lang="en-US" sz="3200" dirty="0">
-                <a:solidFill>
-                  <a:schemeClr val="tx1">
-                    <a:lumMod val="50000"/>
-                    <a:lumOff val="50000"/>
-                  </a:schemeClr>
-                </a:solidFill>
-              </a:rPr>
-              <a:t>14 ENERO 2022</a:t>
-            </a:r>
+              <a:rPr lang="en-US" sz="6000" dirty="0"/>
+              <a:t>VACUNACIÓN</a:t>
+            </a:r>
+          </a:p>
+        </p:txBody>
+      </p:sp>
+      <p:sp>
+        <p:nvSpPr>
+          <p:cNvPr id="5" name="Title 4">
+            <a:extLst>
+              <a:ext uri="{FF2B5EF4-FFF2-40B4-BE49-F238E27FC236}">
+                <a16:creationId xmlns:a16="http://schemas.microsoft.com/office/drawing/2014/main" id="{5B465201-ED47-B64A-B505-4DDA25649C32}"/>
+              </a:ext>
+            </a:extLst>
+          </p:cNvPr>
+          <p:cNvSpPr>
+            <a:spLocks noGrp="1"/>
+          </p:cNvSpPr>
+          <p:nvPr>
+            <p:ph type="title"/>
+          </p:nvPr>
+        </p:nvSpPr>
+        <p:spPr/>
+        <p:txBody>
+          <a:bodyPr/>
+          <a:lstStyle/>
+          <a:p>
+            <a:endParaRPr lang="en-US"/>
           </a:p>
         </p:txBody>
       </p:sp>
     </p:spTree>
     <p:extLst>
       <p:ext uri="{BB962C8B-B14F-4D97-AF65-F5344CB8AC3E}">
-        <p14:creationId xmlns:p14="http://schemas.microsoft.com/office/powerpoint/2010/main" val="1578628061"/>
+        <p14:creationId xmlns:p14="http://schemas.microsoft.com/office/powerpoint/2010/main" val="568400835"/>
       </p:ext>
     </p:extLst>
   </p:cSld>
@@ -7499,218 +7333,12 @@
           </a:p>
         </p:txBody>
       </p:sp>
-      <p:sp>
-        <p:nvSpPr>
-          <p:cNvPr id="4" name="TextBox 3">
-            <a:extLst>
-              <a:ext uri="{FF2B5EF4-FFF2-40B4-BE49-F238E27FC236}">
-                <a16:creationId xmlns:a16="http://schemas.microsoft.com/office/drawing/2014/main" id="{2B935304-874A-EC4F-A4B5-B1FF70F608E2}"/>
-              </a:ext>
-            </a:extLst>
-          </p:cNvPr>
-          <p:cNvSpPr txBox="1"/>
-          <p:nvPr/>
-        </p:nvSpPr>
-        <p:spPr>
-          <a:xfrm>
-            <a:off x="6305042" y="2656184"/>
-            <a:ext cx="5726702" cy="1569660"/>
-          </a:xfrm>
-          <a:prstGeom prst="rect">
-            <a:avLst/>
-          </a:prstGeom>
-          <a:noFill/>
-        </p:spPr>
-        <p:txBody>
-          <a:bodyPr wrap="square" rtlCol="0">
-            <a:spAutoFit/>
-          </a:bodyPr>
-          <a:lstStyle/>
-          <a:p>
-            <a:r>
-              <a:rPr lang="en-US" sz="2400" b="1" dirty="0"/>
-              <a:t>≈ 870 mil  </a:t>
-            </a:r>
-            <a:r>
-              <a:rPr lang="en-US" sz="2400" dirty="0"/>
-              <a:t>NINGUNA DOSIS</a:t>
-            </a:r>
-          </a:p>
-          <a:p>
-            <a:r>
-              <a:rPr lang="en-US" sz="2400" b="1" dirty="0"/>
-              <a:t>&gt; 270 mil  </a:t>
-            </a:r>
-            <a:r>
-              <a:rPr lang="en-US" sz="2400" dirty="0"/>
-              <a:t>1 DE 2 DOSIS</a:t>
-            </a:r>
-          </a:p>
-          <a:p>
-            <a:r>
-              <a:rPr lang="en-US" sz="2400" b="1" dirty="0"/>
-              <a:t>&gt; 2.5 </a:t>
-            </a:r>
-            <a:r>
-              <a:rPr lang="en-US" sz="2400" b="1" dirty="0" err="1"/>
-              <a:t>millones</a:t>
-            </a:r>
-            <a:r>
-              <a:rPr lang="en-US" sz="2400" b="1" dirty="0"/>
-              <a:t> </a:t>
-            </a:r>
-            <a:r>
-              <a:rPr lang="en-US" sz="2400" dirty="0" err="1"/>
-              <a:t>dosis</a:t>
-            </a:r>
-            <a:r>
-              <a:rPr lang="en-US" sz="2400" dirty="0"/>
-              <a:t> </a:t>
-            </a:r>
-            <a:r>
-              <a:rPr lang="en-US" sz="2400" dirty="0" err="1"/>
-              <a:t>completa</a:t>
-            </a:r>
-            <a:r>
-              <a:rPr lang="en-US" sz="2400" dirty="0"/>
-              <a:t> sin </a:t>
-            </a:r>
-            <a:r>
-              <a:rPr lang="en-US" sz="2400" dirty="0" err="1"/>
-              <a:t>refuerzo</a:t>
-            </a:r>
-            <a:endParaRPr lang="en-US" sz="2400" dirty="0"/>
-          </a:p>
-          <a:p>
-            <a:r>
-              <a:rPr lang="en-US" sz="2400" b="1" dirty="0"/>
-              <a:t>11.6 </a:t>
-            </a:r>
-            <a:r>
-              <a:rPr lang="en-US" sz="2400" b="1" dirty="0" err="1"/>
-              <a:t>millones</a:t>
-            </a:r>
-            <a:r>
-              <a:rPr lang="en-US" sz="2400" b="1" dirty="0"/>
-              <a:t> </a:t>
-            </a:r>
-            <a:r>
-              <a:rPr lang="en-US" sz="2400" dirty="0" err="1"/>
-              <a:t>dosis</a:t>
-            </a:r>
-            <a:r>
-              <a:rPr lang="en-US" sz="2400" dirty="0"/>
-              <a:t> de </a:t>
-            </a:r>
-            <a:r>
-              <a:rPr lang="en-US" sz="2400" dirty="0" err="1"/>
-              <a:t>refuerzo</a:t>
-            </a:r>
-            <a:endParaRPr lang="en-US" sz="2400" dirty="0"/>
-          </a:p>
-        </p:txBody>
-      </p:sp>
-      <p:sp>
-        <p:nvSpPr>
-          <p:cNvPr id="6" name="TextBox 5">
-            <a:extLst>
-              <a:ext uri="{FF2B5EF4-FFF2-40B4-BE49-F238E27FC236}">
-                <a16:creationId xmlns:a16="http://schemas.microsoft.com/office/drawing/2014/main" id="{3925D774-8273-4749-9E51-F2E310838749}"/>
-              </a:ext>
-            </a:extLst>
-          </p:cNvPr>
-          <p:cNvSpPr txBox="1"/>
-          <p:nvPr/>
-        </p:nvSpPr>
-        <p:spPr>
-          <a:xfrm>
-            <a:off x="7408946" y="1710140"/>
-            <a:ext cx="2573140" cy="584775"/>
-          </a:xfrm>
-          <a:prstGeom prst="rect">
-            <a:avLst/>
-          </a:prstGeom>
-          <a:noFill/>
-        </p:spPr>
-        <p:txBody>
-          <a:bodyPr wrap="none" rtlCol="0">
-            <a:spAutoFit/>
-          </a:bodyPr>
-          <a:lstStyle/>
-          <a:p>
-            <a:r>
-              <a:rPr lang="en-US" sz="3200" dirty="0"/>
-              <a:t>18 o mas </a:t>
-            </a:r>
-            <a:r>
-              <a:rPr lang="en-US" sz="3200" dirty="0" err="1"/>
-              <a:t>años</a:t>
-            </a:r>
-            <a:endParaRPr lang="en-US" sz="3200" dirty="0"/>
-          </a:p>
-        </p:txBody>
-      </p:sp>
-      <p:sp>
-        <p:nvSpPr>
-          <p:cNvPr id="7" name="Rectangle 6">
-            <a:extLst>
-              <a:ext uri="{FF2B5EF4-FFF2-40B4-BE49-F238E27FC236}">
-                <a16:creationId xmlns:a16="http://schemas.microsoft.com/office/drawing/2014/main" id="{73731945-EDEE-044C-BF1A-3831D3B88369}"/>
-              </a:ext>
-            </a:extLst>
-          </p:cNvPr>
-          <p:cNvSpPr/>
-          <p:nvPr/>
-        </p:nvSpPr>
-        <p:spPr>
-          <a:xfrm>
-            <a:off x="6042444" y="1710140"/>
-            <a:ext cx="5647136" cy="2654204"/>
-          </a:xfrm>
-          <a:prstGeom prst="rect">
-            <a:avLst/>
-          </a:prstGeom>
-          <a:noFill/>
-          <a:ln>
-            <a:solidFill>
-              <a:schemeClr val="tx1">
-                <a:lumMod val="50000"/>
-                <a:lumOff val="50000"/>
-              </a:schemeClr>
-            </a:solidFill>
-          </a:ln>
-        </p:spPr>
-        <p:style>
-          <a:lnRef idx="2">
-            <a:schemeClr val="accent1">
-              <a:shade val="50000"/>
-            </a:schemeClr>
-          </a:lnRef>
-          <a:fillRef idx="1">
-            <a:schemeClr val="accent1"/>
-          </a:fillRef>
-          <a:effectRef idx="0">
-            <a:schemeClr val="accent1"/>
-          </a:effectRef>
-          <a:fontRef idx="minor">
-            <a:schemeClr val="lt1"/>
-          </a:fontRef>
-        </p:style>
-        <p:txBody>
-          <a:bodyPr rtlCol="0" anchor="ctr"/>
-          <a:lstStyle/>
-          <a:p>
-            <a:pPr algn="ctr"/>
-            <a:endParaRPr lang="en-US"/>
-          </a:p>
-        </p:txBody>
-      </p:sp>
       <p:pic>
         <p:nvPicPr>
-          <p:cNvPr id="3" name="Picture 2">
-            <a:extLst>
-              <a:ext uri="{FF2B5EF4-FFF2-40B4-BE49-F238E27FC236}">
-                <a16:creationId xmlns:a16="http://schemas.microsoft.com/office/drawing/2014/main" id="{CA6932F3-FEF2-1B40-9DCD-2EC31090E4CC}"/>
+          <p:cNvPr id="2" name="Picture 1">
+            <a:extLst>
+              <a:ext uri="{FF2B5EF4-FFF2-40B4-BE49-F238E27FC236}">
+                <a16:creationId xmlns:a16="http://schemas.microsoft.com/office/drawing/2014/main" id="{267828F7-4B45-B14F-BB85-FFBCE0A24E65}"/>
               </a:ext>
             </a:extLst>
           </p:cNvPr>
@@ -7727,18 +7355,60 @@
         </p:blipFill>
         <p:spPr>
           <a:xfrm>
-            <a:off x="1011067" y="1229010"/>
-            <a:ext cx="4432300" cy="4559300"/>
+            <a:off x="1041623" y="1365843"/>
+            <a:ext cx="10001641" cy="5082091"/>
           </a:xfrm>
           <a:prstGeom prst="rect">
             <a:avLst/>
           </a:prstGeom>
         </p:spPr>
       </p:pic>
+      <p:sp>
+        <p:nvSpPr>
+          <p:cNvPr id="4" name="TextBox 3">
+            <a:extLst>
+              <a:ext uri="{FF2B5EF4-FFF2-40B4-BE49-F238E27FC236}">
+                <a16:creationId xmlns:a16="http://schemas.microsoft.com/office/drawing/2014/main" id="{BC7FDC3C-98EF-EE40-8088-72C112C83A3D}"/>
+              </a:ext>
+            </a:extLst>
+          </p:cNvPr>
+          <p:cNvSpPr txBox="1"/>
+          <p:nvPr/>
+        </p:nvSpPr>
+        <p:spPr>
+          <a:xfrm>
+            <a:off x="4707254" y="675227"/>
+            <a:ext cx="2777492" cy="584775"/>
+          </a:xfrm>
+          <a:prstGeom prst="rect">
+            <a:avLst/>
+          </a:prstGeom>
+          <a:noFill/>
+        </p:spPr>
+        <p:txBody>
+          <a:bodyPr wrap="none" rtlCol="0">
+            <a:spAutoFit/>
+          </a:bodyPr>
+          <a:lstStyle/>
+          <a:p>
+            <a:r>
+              <a:rPr lang="en-US" sz="3200" dirty="0">
+                <a:solidFill>
+                  <a:schemeClr val="tx1">
+                    <a:lumMod val="50000"/>
+                    <a:lumOff val="50000"/>
+                  </a:schemeClr>
+                </a:solidFill>
+              </a:rPr>
+              <a:t>14 ENERO 2022</a:t>
+            </a:r>
+          </a:p>
+        </p:txBody>
+      </p:sp>
     </p:spTree>
     <p:extLst>
       <p:ext uri="{BB962C8B-B14F-4D97-AF65-F5344CB8AC3E}">
-        <p14:creationId xmlns:p14="http://schemas.microsoft.com/office/powerpoint/2010/main" val="512688133"/>
+        <p14:creationId xmlns:p14="http://schemas.microsoft.com/office/powerpoint/2010/main" val="1578628061"/>
       </p:ext>
     </p:extLst>
   </p:cSld>
@@ -7767,6 +7437,427 @@
       </p:grpSpPr>
       <p:sp>
         <p:nvSpPr>
+          <p:cNvPr id="9" name="TextBox 8">
+            <a:extLst>
+              <a:ext uri="{FF2B5EF4-FFF2-40B4-BE49-F238E27FC236}">
+                <a16:creationId xmlns:a16="http://schemas.microsoft.com/office/drawing/2014/main" id="{22433A70-977D-C840-9BCB-9ECF9B80CB77}"/>
+              </a:ext>
+            </a:extLst>
+          </p:cNvPr>
+          <p:cNvSpPr txBox="1"/>
+          <p:nvPr/>
+        </p:nvSpPr>
+        <p:spPr>
+          <a:xfrm>
+            <a:off x="-73478" y="0"/>
+            <a:ext cx="12338956" cy="569387"/>
+          </a:xfrm>
+          <a:prstGeom prst="rect">
+            <a:avLst/>
+          </a:prstGeom>
+          <a:noFill/>
+        </p:spPr>
+        <p:txBody>
+          <a:bodyPr wrap="square" rtlCol="0">
+            <a:spAutoFit/>
+          </a:bodyPr>
+          <a:lstStyle/>
+          <a:p>
+            <a:pPr algn="ctr"/>
+            <a:r>
+              <a:rPr lang="en-US" sz="3100" dirty="0" err="1"/>
+              <a:t>Cobertura</a:t>
+            </a:r>
+            <a:r>
+              <a:rPr lang="en-US" sz="3100" dirty="0"/>
+              <a:t> de </a:t>
+            </a:r>
+            <a:r>
+              <a:rPr lang="en-US" sz="3100" dirty="0" err="1"/>
+              <a:t>Vacunación</a:t>
+            </a:r>
+            <a:r>
+              <a:rPr lang="en-US" sz="3100" dirty="0"/>
+              <a:t> COVID-19 </a:t>
+            </a:r>
+            <a:r>
+              <a:rPr lang="en-US" sz="3100" dirty="0" err="1"/>
+              <a:t>en</a:t>
+            </a:r>
+            <a:r>
+              <a:rPr lang="en-US" sz="3100" dirty="0"/>
+              <a:t> Chile</a:t>
+            </a:r>
+          </a:p>
+        </p:txBody>
+      </p:sp>
+      <p:sp>
+        <p:nvSpPr>
+          <p:cNvPr id="11" name="TextBox 10">
+            <a:extLst>
+              <a:ext uri="{FF2B5EF4-FFF2-40B4-BE49-F238E27FC236}">
+                <a16:creationId xmlns:a16="http://schemas.microsoft.com/office/drawing/2014/main" id="{0148A4CA-3BDA-DF46-9B7F-0A23EBAA1D10}"/>
+              </a:ext>
+            </a:extLst>
+          </p:cNvPr>
+          <p:cNvSpPr txBox="1"/>
+          <p:nvPr/>
+        </p:nvSpPr>
+        <p:spPr>
+          <a:xfrm>
+            <a:off x="10236200" y="3995012"/>
+            <a:ext cx="237566" cy="369332"/>
+          </a:xfrm>
+          <a:prstGeom prst="rect">
+            <a:avLst/>
+          </a:prstGeom>
+          <a:noFill/>
+        </p:spPr>
+        <p:txBody>
+          <a:bodyPr wrap="none" rtlCol="0">
+            <a:spAutoFit/>
+          </a:bodyPr>
+          <a:lstStyle/>
+          <a:p>
+            <a:r>
+              <a:rPr lang="en-US" dirty="0"/>
+              <a:t> </a:t>
+            </a:r>
+          </a:p>
+        </p:txBody>
+      </p:sp>
+      <p:sp>
+        <p:nvSpPr>
+          <p:cNvPr id="5" name="TextBox 4">
+            <a:extLst>
+              <a:ext uri="{FF2B5EF4-FFF2-40B4-BE49-F238E27FC236}">
+                <a16:creationId xmlns:a16="http://schemas.microsoft.com/office/drawing/2014/main" id="{AE60033C-48B3-1E42-A180-100FEDC8D62B}"/>
+              </a:ext>
+            </a:extLst>
+          </p:cNvPr>
+          <p:cNvSpPr txBox="1"/>
+          <p:nvPr/>
+        </p:nvSpPr>
+        <p:spPr>
+          <a:xfrm>
+            <a:off x="160256" y="6447934"/>
+            <a:ext cx="5882188" cy="369332"/>
+          </a:xfrm>
+          <a:prstGeom prst="rect">
+            <a:avLst/>
+          </a:prstGeom>
+          <a:noFill/>
+        </p:spPr>
+        <p:txBody>
+          <a:bodyPr wrap="none" rtlCol="0">
+            <a:spAutoFit/>
+          </a:bodyPr>
+          <a:lstStyle/>
+          <a:p>
+            <a:r>
+              <a:rPr lang="en-US" dirty="0"/>
+              <a:t>Fuente: </a:t>
+            </a:r>
+            <a:r>
+              <a:rPr lang="en-US" dirty="0" err="1"/>
+              <a:t>Repositorio</a:t>
+            </a:r>
+            <a:r>
+              <a:rPr lang="en-US" dirty="0"/>
+              <a:t> de </a:t>
+            </a:r>
+            <a:r>
+              <a:rPr lang="en-US" dirty="0" err="1"/>
+              <a:t>Datos</a:t>
+            </a:r>
+            <a:r>
+              <a:rPr lang="en-US" dirty="0"/>
+              <a:t> COVID19, </a:t>
+            </a:r>
+            <a:r>
+              <a:rPr lang="en-US" dirty="0" err="1"/>
+              <a:t>Ministerio</a:t>
+            </a:r>
+            <a:r>
+              <a:rPr lang="en-US" dirty="0"/>
+              <a:t> de </a:t>
+            </a:r>
+            <a:r>
+              <a:rPr lang="en-US" dirty="0" err="1"/>
+              <a:t>Ciencia</a:t>
+            </a:r>
+            <a:endParaRPr lang="en-US" dirty="0"/>
+          </a:p>
+        </p:txBody>
+      </p:sp>
+      <p:sp>
+        <p:nvSpPr>
+          <p:cNvPr id="4" name="TextBox 3">
+            <a:extLst>
+              <a:ext uri="{FF2B5EF4-FFF2-40B4-BE49-F238E27FC236}">
+                <a16:creationId xmlns:a16="http://schemas.microsoft.com/office/drawing/2014/main" id="{2B935304-874A-EC4F-A4B5-B1FF70F608E2}"/>
+              </a:ext>
+            </a:extLst>
+          </p:cNvPr>
+          <p:cNvSpPr txBox="1"/>
+          <p:nvPr/>
+        </p:nvSpPr>
+        <p:spPr>
+          <a:xfrm>
+            <a:off x="6305042" y="2656184"/>
+            <a:ext cx="5726702" cy="1569660"/>
+          </a:xfrm>
+          <a:prstGeom prst="rect">
+            <a:avLst/>
+          </a:prstGeom>
+          <a:noFill/>
+        </p:spPr>
+        <p:txBody>
+          <a:bodyPr wrap="square" rtlCol="0">
+            <a:spAutoFit/>
+          </a:bodyPr>
+          <a:lstStyle/>
+          <a:p>
+            <a:r>
+              <a:rPr lang="en-US" sz="2400" b="1" dirty="0"/>
+              <a:t>≈ 870 mil  </a:t>
+            </a:r>
+            <a:r>
+              <a:rPr lang="en-US" sz="2400" dirty="0"/>
+              <a:t>NINGUNA DOSIS</a:t>
+            </a:r>
+          </a:p>
+          <a:p>
+            <a:r>
+              <a:rPr lang="en-US" sz="2400" b="1" dirty="0"/>
+              <a:t>&gt; 270 mil  </a:t>
+            </a:r>
+            <a:r>
+              <a:rPr lang="en-US" sz="2400" dirty="0"/>
+              <a:t>1 DE 2 DOSIS</a:t>
+            </a:r>
+          </a:p>
+          <a:p>
+            <a:r>
+              <a:rPr lang="en-US" sz="2400" b="1" dirty="0"/>
+              <a:t>&gt; 2.5 </a:t>
+            </a:r>
+            <a:r>
+              <a:rPr lang="en-US" sz="2400" b="1" dirty="0" err="1"/>
+              <a:t>millones</a:t>
+            </a:r>
+            <a:r>
+              <a:rPr lang="en-US" sz="2400" b="1" dirty="0"/>
+              <a:t> </a:t>
+            </a:r>
+            <a:r>
+              <a:rPr lang="en-US" sz="2400" dirty="0" err="1"/>
+              <a:t>dosis</a:t>
+            </a:r>
+            <a:r>
+              <a:rPr lang="en-US" sz="2400" dirty="0"/>
+              <a:t> </a:t>
+            </a:r>
+            <a:r>
+              <a:rPr lang="en-US" sz="2400" dirty="0" err="1"/>
+              <a:t>completa</a:t>
+            </a:r>
+            <a:r>
+              <a:rPr lang="en-US" sz="2400" dirty="0"/>
+              <a:t> sin </a:t>
+            </a:r>
+            <a:r>
+              <a:rPr lang="en-US" sz="2400" dirty="0" err="1"/>
+              <a:t>refuerzo</a:t>
+            </a:r>
+            <a:endParaRPr lang="en-US" sz="2400" dirty="0"/>
+          </a:p>
+          <a:p>
+            <a:r>
+              <a:rPr lang="en-US" sz="2400" b="1" dirty="0"/>
+              <a:t>11.6 </a:t>
+            </a:r>
+            <a:r>
+              <a:rPr lang="en-US" sz="2400" b="1" dirty="0" err="1"/>
+              <a:t>millones</a:t>
+            </a:r>
+            <a:r>
+              <a:rPr lang="en-US" sz="2400" b="1" dirty="0"/>
+              <a:t> </a:t>
+            </a:r>
+            <a:r>
+              <a:rPr lang="en-US" sz="2400" dirty="0" err="1"/>
+              <a:t>dosis</a:t>
+            </a:r>
+            <a:r>
+              <a:rPr lang="en-US" sz="2400" dirty="0"/>
+              <a:t> de </a:t>
+            </a:r>
+            <a:r>
+              <a:rPr lang="en-US" sz="2400" dirty="0" err="1"/>
+              <a:t>refuerzo</a:t>
+            </a:r>
+            <a:endParaRPr lang="en-US" sz="2400" dirty="0"/>
+          </a:p>
+        </p:txBody>
+      </p:sp>
+      <p:sp>
+        <p:nvSpPr>
+          <p:cNvPr id="6" name="TextBox 5">
+            <a:extLst>
+              <a:ext uri="{FF2B5EF4-FFF2-40B4-BE49-F238E27FC236}">
+                <a16:creationId xmlns:a16="http://schemas.microsoft.com/office/drawing/2014/main" id="{3925D774-8273-4749-9E51-F2E310838749}"/>
+              </a:ext>
+            </a:extLst>
+          </p:cNvPr>
+          <p:cNvSpPr txBox="1"/>
+          <p:nvPr/>
+        </p:nvSpPr>
+        <p:spPr>
+          <a:xfrm>
+            <a:off x="7408946" y="1710140"/>
+            <a:ext cx="2573140" cy="584775"/>
+          </a:xfrm>
+          <a:prstGeom prst="rect">
+            <a:avLst/>
+          </a:prstGeom>
+          <a:noFill/>
+        </p:spPr>
+        <p:txBody>
+          <a:bodyPr wrap="none" rtlCol="0">
+            <a:spAutoFit/>
+          </a:bodyPr>
+          <a:lstStyle/>
+          <a:p>
+            <a:r>
+              <a:rPr lang="en-US" sz="3200" dirty="0"/>
+              <a:t>18 o mas </a:t>
+            </a:r>
+            <a:r>
+              <a:rPr lang="en-US" sz="3200" dirty="0" err="1"/>
+              <a:t>años</a:t>
+            </a:r>
+            <a:endParaRPr lang="en-US" sz="3200" dirty="0"/>
+          </a:p>
+        </p:txBody>
+      </p:sp>
+      <p:sp>
+        <p:nvSpPr>
+          <p:cNvPr id="7" name="Rectangle 6">
+            <a:extLst>
+              <a:ext uri="{FF2B5EF4-FFF2-40B4-BE49-F238E27FC236}">
+                <a16:creationId xmlns:a16="http://schemas.microsoft.com/office/drawing/2014/main" id="{73731945-EDEE-044C-BF1A-3831D3B88369}"/>
+              </a:ext>
+            </a:extLst>
+          </p:cNvPr>
+          <p:cNvSpPr/>
+          <p:nvPr/>
+        </p:nvSpPr>
+        <p:spPr>
+          <a:xfrm>
+            <a:off x="6042444" y="1710140"/>
+            <a:ext cx="5647136" cy="2654204"/>
+          </a:xfrm>
+          <a:prstGeom prst="rect">
+            <a:avLst/>
+          </a:prstGeom>
+          <a:noFill/>
+          <a:ln>
+            <a:solidFill>
+              <a:schemeClr val="tx1">
+                <a:lumMod val="50000"/>
+                <a:lumOff val="50000"/>
+              </a:schemeClr>
+            </a:solidFill>
+          </a:ln>
+        </p:spPr>
+        <p:style>
+          <a:lnRef idx="2">
+            <a:schemeClr val="accent1">
+              <a:shade val="50000"/>
+            </a:schemeClr>
+          </a:lnRef>
+          <a:fillRef idx="1">
+            <a:schemeClr val="accent1"/>
+          </a:fillRef>
+          <a:effectRef idx="0">
+            <a:schemeClr val="accent1"/>
+          </a:effectRef>
+          <a:fontRef idx="minor">
+            <a:schemeClr val="lt1"/>
+          </a:fontRef>
+        </p:style>
+        <p:txBody>
+          <a:bodyPr rtlCol="0" anchor="ctr"/>
+          <a:lstStyle/>
+          <a:p>
+            <a:pPr algn="ctr"/>
+            <a:endParaRPr lang="en-US"/>
+          </a:p>
+        </p:txBody>
+      </p:sp>
+      <p:pic>
+        <p:nvPicPr>
+          <p:cNvPr id="3" name="Picture 2">
+            <a:extLst>
+              <a:ext uri="{FF2B5EF4-FFF2-40B4-BE49-F238E27FC236}">
+                <a16:creationId xmlns:a16="http://schemas.microsoft.com/office/drawing/2014/main" id="{CA6932F3-FEF2-1B40-9DCD-2EC31090E4CC}"/>
+              </a:ext>
+            </a:extLst>
+          </p:cNvPr>
+          <p:cNvPicPr>
+            <a:picLocks noChangeAspect="1"/>
+          </p:cNvPicPr>
+          <p:nvPr/>
+        </p:nvPicPr>
+        <p:blipFill>
+          <a:blip r:embed="rId2"/>
+          <a:stretch>
+            <a:fillRect/>
+          </a:stretch>
+        </p:blipFill>
+        <p:spPr>
+          <a:xfrm>
+            <a:off x="1011067" y="1229010"/>
+            <a:ext cx="4432300" cy="4559300"/>
+          </a:xfrm>
+          <a:prstGeom prst="rect">
+            <a:avLst/>
+          </a:prstGeom>
+        </p:spPr>
+      </p:pic>
+    </p:spTree>
+    <p:extLst>
+      <p:ext uri="{BB962C8B-B14F-4D97-AF65-F5344CB8AC3E}">
+        <p14:creationId xmlns:p14="http://schemas.microsoft.com/office/powerpoint/2010/main" val="512688133"/>
+      </p:ext>
+    </p:extLst>
+  </p:cSld>
+  <p:clrMapOvr>
+    <a:masterClrMapping/>
+  </p:clrMapOvr>
+</p:sld>
+</file>
+
+<file path=ppt/slides/slide24.xml><?xml version="1.0" encoding="utf-8"?>
+<p:sld xmlns:a="http://schemas.openxmlformats.org/drawingml/2006/main" xmlns:r="http://schemas.openxmlformats.org/officeDocument/2006/relationships" xmlns:p="http://schemas.openxmlformats.org/presentationml/2006/main">
+  <p:cSld>
+    <p:spTree>
+      <p:nvGrpSpPr>
+        <p:cNvPr id="1" name=""/>
+        <p:cNvGrpSpPr/>
+        <p:nvPr/>
+      </p:nvGrpSpPr>
+      <p:grpSpPr>
+        <a:xfrm>
+          <a:off x="0" y="0"/>
+          <a:ext cx="0" cy="0"/>
+          <a:chOff x="0" y="0"/>
+          <a:chExt cx="0" cy="0"/>
+        </a:xfrm>
+      </p:grpSpPr>
+      <p:sp>
+        <p:nvSpPr>
           <p:cNvPr id="4" name="Title 3">
             <a:extLst>
               <a:ext uri="{FF2B5EF4-FFF2-40B4-BE49-F238E27FC236}">
@@ -7838,7 +7929,7 @@
 </p:sld>
 </file>
 
-<file path=ppt/slides/slide24.xml><?xml version="1.0" encoding="utf-8"?>
+<file path=ppt/slides/slide25.xml><?xml version="1.0" encoding="utf-8"?>
 <p:sld xmlns:a="http://schemas.openxmlformats.org/drawingml/2006/main" xmlns:r="http://schemas.openxmlformats.org/officeDocument/2006/relationships" xmlns:p="http://schemas.openxmlformats.org/presentationml/2006/main">
   <p:cSld>
     <p:spTree>
@@ -8173,8 +8264,8 @@
         </p:nvSpPr>
         <p:spPr>
           <a:xfrm>
-            <a:off x="923621" y="136326"/>
-            <a:ext cx="10344755" cy="584775"/>
+            <a:off x="1992765" y="14755"/>
+            <a:ext cx="8458021" cy="584775"/>
           </a:xfrm>
           <a:prstGeom prst="rect">
             <a:avLst/>
@@ -8191,33 +8282,25 @@
           <a:p>
             <a:r>
               <a:rPr lang="en-US" sz="3200" dirty="0"/>
-              <a:t>TOTAL camas </a:t>
+              <a:t>Total camas  vs camas UCI con </a:t>
             </a:r>
             <a:r>
               <a:rPr lang="en-US" sz="3200" dirty="0" err="1"/>
-              <a:t>hospitalarias</a:t>
+              <a:t>pacientes</a:t>
             </a:r>
             <a:r>
               <a:rPr lang="en-US" sz="3200" dirty="0"/>
-              <a:t> COVID19 (</a:t>
-            </a:r>
-            <a:r>
-              <a:rPr lang="en-US" sz="3200" dirty="0" err="1"/>
-              <a:t>Básica</a:t>
-            </a:r>
-            <a:r>
-              <a:rPr lang="en-US" sz="3200" dirty="0"/>
-              <a:t>, Media, UTI, UCI)</a:t>
+              <a:t> COVID19</a:t>
             </a:r>
           </a:p>
         </p:txBody>
       </p:sp>
       <p:pic>
         <p:nvPicPr>
-          <p:cNvPr id="3" name="Picture 2">
-            <a:extLst>
-              <a:ext uri="{FF2B5EF4-FFF2-40B4-BE49-F238E27FC236}">
-                <a16:creationId xmlns:a16="http://schemas.microsoft.com/office/drawing/2014/main" id="{96F0AFC4-FD97-844A-8C69-5E34E2570EFF}"/>
+          <p:cNvPr id="2" name="Picture 1">
+            <a:extLst>
+              <a:ext uri="{FF2B5EF4-FFF2-40B4-BE49-F238E27FC236}">
+                <a16:creationId xmlns:a16="http://schemas.microsoft.com/office/drawing/2014/main" id="{842ECCC4-A951-E641-A373-50285D9A8D1E}"/>
               </a:ext>
             </a:extLst>
           </p:cNvPr>
@@ -8234,8 +8317,8 @@
         </p:blipFill>
         <p:spPr>
           <a:xfrm>
-            <a:off x="2593142" y="844727"/>
-            <a:ext cx="7005711" cy="5694139"/>
+            <a:off x="501589" y="746275"/>
+            <a:ext cx="11487346" cy="5654525"/>
           </a:xfrm>
           <a:prstGeom prst="rect">
             <a:avLst/>
@@ -8274,10 +8357,10 @@
       </p:grpSpPr>
       <p:sp>
         <p:nvSpPr>
-          <p:cNvPr id="4" name="TextBox 3">
-            <a:extLst>
-              <a:ext uri="{FF2B5EF4-FFF2-40B4-BE49-F238E27FC236}">
-                <a16:creationId xmlns:a16="http://schemas.microsoft.com/office/drawing/2014/main" id="{5BCAFE7A-E299-D14E-9413-EB5C984AF441}"/>
+          <p:cNvPr id="6" name="TextBox 5">
+            <a:extLst>
+              <a:ext uri="{FF2B5EF4-FFF2-40B4-BE49-F238E27FC236}">
+                <a16:creationId xmlns:a16="http://schemas.microsoft.com/office/drawing/2014/main" id="{AB65407A-4582-004A-A45F-BD87B99ABAF2}"/>
               </a:ext>
             </a:extLst>
           </p:cNvPr>
@@ -8286,13 +8369,15 @@
         </p:nvSpPr>
         <p:spPr>
           <a:xfrm>
-            <a:off x="2347274" y="2780907"/>
-            <a:ext cx="7891456" cy="1015663"/>
+            <a:off x="923621" y="136326"/>
+            <a:ext cx="10344755" cy="584775"/>
           </a:xfrm>
           <a:prstGeom prst="rect">
             <a:avLst/>
           </a:prstGeom>
-          <a:noFill/>
+          <a:solidFill>
+            <a:schemeClr val="bg1"/>
+          </a:solidFill>
         </p:spPr>
         <p:txBody>
           <a:bodyPr wrap="none" rtlCol="0">
@@ -8301,41 +8386,62 @@
           <a:lstStyle/>
           <a:p>
             <a:r>
-              <a:rPr lang="en-US" sz="6000" dirty="0"/>
-              <a:t>FALLECIDOS SEMANALES</a:t>
-            </a:r>
-          </a:p>
-        </p:txBody>
-      </p:sp>
-      <p:sp>
-        <p:nvSpPr>
-          <p:cNvPr id="5" name="Title 4">
-            <a:extLst>
-              <a:ext uri="{FF2B5EF4-FFF2-40B4-BE49-F238E27FC236}">
-                <a16:creationId xmlns:a16="http://schemas.microsoft.com/office/drawing/2014/main" id="{5B465201-ED47-B64A-B505-4DDA25649C32}"/>
-              </a:ext>
-            </a:extLst>
-          </p:cNvPr>
-          <p:cNvSpPr>
-            <a:spLocks noGrp="1"/>
-          </p:cNvSpPr>
-          <p:nvPr>
-            <p:ph type="title"/>
-          </p:nvPr>
-        </p:nvSpPr>
-        <p:spPr/>
-        <p:txBody>
-          <a:bodyPr/>
-          <a:lstStyle/>
-          <a:p>
-            <a:endParaRPr lang="en-US"/>
-          </a:p>
-        </p:txBody>
-      </p:sp>
+              <a:rPr lang="en-US" sz="3200" dirty="0"/>
+              <a:t>TOTAL camas </a:t>
+            </a:r>
+            <a:r>
+              <a:rPr lang="en-US" sz="3200" dirty="0" err="1"/>
+              <a:t>hospitalarias</a:t>
+            </a:r>
+            <a:r>
+              <a:rPr lang="en-US" sz="3200" dirty="0"/>
+              <a:t> COVID19 (</a:t>
+            </a:r>
+            <a:r>
+              <a:rPr lang="en-US" sz="3200" dirty="0" err="1"/>
+              <a:t>Básica</a:t>
+            </a:r>
+            <a:r>
+              <a:rPr lang="en-US" sz="3200" dirty="0"/>
+              <a:t>, Media, UTI, UCI)</a:t>
+            </a:r>
+          </a:p>
+        </p:txBody>
+      </p:sp>
+      <p:pic>
+        <p:nvPicPr>
+          <p:cNvPr id="3" name="Picture 2">
+            <a:extLst>
+              <a:ext uri="{FF2B5EF4-FFF2-40B4-BE49-F238E27FC236}">
+                <a16:creationId xmlns:a16="http://schemas.microsoft.com/office/drawing/2014/main" id="{96F0AFC4-FD97-844A-8C69-5E34E2570EFF}"/>
+              </a:ext>
+            </a:extLst>
+          </p:cNvPr>
+          <p:cNvPicPr>
+            <a:picLocks noChangeAspect="1"/>
+          </p:cNvPicPr>
+          <p:nvPr/>
+        </p:nvPicPr>
+        <p:blipFill>
+          <a:blip r:embed="rId2"/>
+          <a:stretch>
+            <a:fillRect/>
+          </a:stretch>
+        </p:blipFill>
+        <p:spPr>
+          <a:xfrm>
+            <a:off x="2593142" y="844727"/>
+            <a:ext cx="7005711" cy="5694139"/>
+          </a:xfrm>
+          <a:prstGeom prst="rect">
+            <a:avLst/>
+          </a:prstGeom>
+        </p:spPr>
+      </p:pic>
     </p:spTree>
     <p:extLst>
       <p:ext uri="{BB962C8B-B14F-4D97-AF65-F5344CB8AC3E}">
-        <p14:creationId xmlns:p14="http://schemas.microsoft.com/office/powerpoint/2010/main" val="3648540894"/>
+        <p14:creationId xmlns:p14="http://schemas.microsoft.com/office/powerpoint/2010/main" val="1168768773"/>
       </p:ext>
     </p:extLst>
   </p:cSld>
@@ -8364,10 +8470,10 @@
       </p:grpSpPr>
       <p:sp>
         <p:nvSpPr>
-          <p:cNvPr id="3" name="TextBox 2">
-            <a:extLst>
-              <a:ext uri="{FF2B5EF4-FFF2-40B4-BE49-F238E27FC236}">
-                <a16:creationId xmlns:a16="http://schemas.microsoft.com/office/drawing/2014/main" id="{A2257B24-98EA-6F4F-A0A3-0620C5A6F7E8}"/>
+          <p:cNvPr id="4" name="TextBox 3">
+            <a:extLst>
+              <a:ext uri="{FF2B5EF4-FFF2-40B4-BE49-F238E27FC236}">
+                <a16:creationId xmlns:a16="http://schemas.microsoft.com/office/drawing/2014/main" id="{5BCAFE7A-E299-D14E-9413-EB5C984AF441}"/>
               </a:ext>
             </a:extLst>
           </p:cNvPr>
@@ -8376,15 +8482,13 @@
         </p:nvSpPr>
         <p:spPr>
           <a:xfrm>
-            <a:off x="2060448" y="-11019"/>
-            <a:ext cx="8775992" cy="584775"/>
+            <a:off x="2347274" y="2780907"/>
+            <a:ext cx="7891456" cy="1015663"/>
           </a:xfrm>
           <a:prstGeom prst="rect">
             <a:avLst/>
           </a:prstGeom>
-          <a:solidFill>
-            <a:schemeClr val="bg1"/>
-          </a:solidFill>
+          <a:noFill/>
         </p:spPr>
         <p:txBody>
           <a:bodyPr wrap="none" rtlCol="0">
@@ -8393,74 +8497,41 @@
           <a:lstStyle/>
           <a:p>
             <a:r>
-              <a:rPr lang="en-US" sz="3200" dirty="0" err="1"/>
-              <a:t>Fallecidos</a:t>
-            </a:r>
-            <a:r>
-              <a:rPr lang="en-US" sz="3200" dirty="0"/>
-              <a:t> </a:t>
-            </a:r>
-            <a:r>
-              <a:rPr lang="en-US" sz="3200" dirty="0" err="1"/>
-              <a:t>semanales</a:t>
-            </a:r>
-            <a:r>
-              <a:rPr lang="en-US" sz="3200" dirty="0"/>
-              <a:t> con PCR+ </a:t>
-            </a:r>
-            <a:r>
-              <a:rPr lang="en-US" sz="3200" b="1" dirty="0" err="1"/>
-              <a:t>reportados</a:t>
-            </a:r>
-            <a:r>
-              <a:rPr lang="en-US" sz="3200" dirty="0"/>
-              <a:t> </a:t>
-            </a:r>
-            <a:r>
-              <a:rPr lang="en-US" sz="3200" dirty="0" err="1"/>
-              <a:t>en</a:t>
-            </a:r>
-            <a:r>
-              <a:rPr lang="en-US" sz="3200" dirty="0"/>
-              <a:t> Chile </a:t>
-            </a:r>
-          </a:p>
-        </p:txBody>
-      </p:sp>
-      <p:pic>
-        <p:nvPicPr>
-          <p:cNvPr id="2" name="Picture 1">
-            <a:extLst>
-              <a:ext uri="{FF2B5EF4-FFF2-40B4-BE49-F238E27FC236}">
-                <a16:creationId xmlns:a16="http://schemas.microsoft.com/office/drawing/2014/main" id="{A9318F46-BECE-004C-9C25-EAE2014036A9}"/>
-              </a:ext>
-            </a:extLst>
-          </p:cNvPr>
-          <p:cNvPicPr>
-            <a:picLocks noChangeAspect="1"/>
-          </p:cNvPicPr>
-          <p:nvPr/>
-        </p:nvPicPr>
-        <p:blipFill>
-          <a:blip r:embed="rId3"/>
-          <a:stretch>
-            <a:fillRect/>
-          </a:stretch>
-        </p:blipFill>
-        <p:spPr>
-          <a:xfrm>
-            <a:off x="2482644" y="785041"/>
-            <a:ext cx="7226712" cy="5657961"/>
-          </a:xfrm>
-          <a:prstGeom prst="rect">
-            <a:avLst/>
-          </a:prstGeom>
-        </p:spPr>
-      </p:pic>
+              <a:rPr lang="en-US" sz="6000" dirty="0"/>
+              <a:t>FALLECIDOS SEMANALES</a:t>
+            </a:r>
+          </a:p>
+        </p:txBody>
+      </p:sp>
+      <p:sp>
+        <p:nvSpPr>
+          <p:cNvPr id="5" name="Title 4">
+            <a:extLst>
+              <a:ext uri="{FF2B5EF4-FFF2-40B4-BE49-F238E27FC236}">
+                <a16:creationId xmlns:a16="http://schemas.microsoft.com/office/drawing/2014/main" id="{5B465201-ED47-B64A-B505-4DDA25649C32}"/>
+              </a:ext>
+            </a:extLst>
+          </p:cNvPr>
+          <p:cNvSpPr>
+            <a:spLocks noGrp="1"/>
+          </p:cNvSpPr>
+          <p:nvPr>
+            <p:ph type="title"/>
+          </p:nvPr>
+        </p:nvSpPr>
+        <p:spPr/>
+        <p:txBody>
+          <a:bodyPr/>
+          <a:lstStyle/>
+          <a:p>
+            <a:endParaRPr lang="en-US"/>
+          </a:p>
+        </p:txBody>
+      </p:sp>
     </p:spTree>
     <p:extLst>
       <p:ext uri="{BB962C8B-B14F-4D97-AF65-F5344CB8AC3E}">
-        <p14:creationId xmlns:p14="http://schemas.microsoft.com/office/powerpoint/2010/main" val="3134494721"/>
+        <p14:creationId xmlns:p14="http://schemas.microsoft.com/office/powerpoint/2010/main" val="3648540894"/>
       </p:ext>
     </p:extLst>
   </p:cSld>
@@ -8487,12 +8558,77 @@
           <a:chExt cx="0" cy="0"/>
         </a:xfrm>
       </p:grpSpPr>
+      <p:sp>
+        <p:nvSpPr>
+          <p:cNvPr id="3" name="TextBox 2">
+            <a:extLst>
+              <a:ext uri="{FF2B5EF4-FFF2-40B4-BE49-F238E27FC236}">
+                <a16:creationId xmlns:a16="http://schemas.microsoft.com/office/drawing/2014/main" id="{A2257B24-98EA-6F4F-A0A3-0620C5A6F7E8}"/>
+              </a:ext>
+            </a:extLst>
+          </p:cNvPr>
+          <p:cNvSpPr txBox="1"/>
+          <p:nvPr/>
+        </p:nvSpPr>
+        <p:spPr>
+          <a:xfrm>
+            <a:off x="2060448" y="-11019"/>
+            <a:ext cx="8775992" cy="584775"/>
+          </a:xfrm>
+          <a:prstGeom prst="rect">
+            <a:avLst/>
+          </a:prstGeom>
+          <a:solidFill>
+            <a:schemeClr val="bg1"/>
+          </a:solidFill>
+        </p:spPr>
+        <p:txBody>
+          <a:bodyPr wrap="none" rtlCol="0">
+            <a:spAutoFit/>
+          </a:bodyPr>
+          <a:lstStyle/>
+          <a:p>
+            <a:r>
+              <a:rPr lang="en-US" sz="3200" dirty="0" err="1"/>
+              <a:t>Fallecidos</a:t>
+            </a:r>
+            <a:r>
+              <a:rPr lang="en-US" sz="3200" dirty="0"/>
+              <a:t> </a:t>
+            </a:r>
+            <a:r>
+              <a:rPr lang="en-US" sz="3200" dirty="0" err="1"/>
+              <a:t>semanales</a:t>
+            </a:r>
+            <a:r>
+              <a:rPr lang="en-US" sz="3200" dirty="0"/>
+              <a:t> con PCR+ </a:t>
+            </a:r>
+            <a:r>
+              <a:rPr lang="en-US" sz="3200" b="1" dirty="0" err="1"/>
+              <a:t>reportados</a:t>
+            </a:r>
+            <a:r>
+              <a:rPr lang="en-US" sz="3200" dirty="0"/>
+              <a:t> </a:t>
+            </a:r>
+            <a:r>
+              <a:rPr lang="en-US" sz="3200" dirty="0" err="1"/>
+              <a:t>en</a:t>
+            </a:r>
+            <a:r>
+              <a:rPr lang="en-US" sz="3200" dirty="0"/>
+              <a:t> Chile </a:t>
+            </a:r>
+          </a:p>
+        </p:txBody>
+      </p:sp>
       <p:pic>
         <p:nvPicPr>
           <p:cNvPr id="2" name="Picture 1">
             <a:extLst>
               <a:ext uri="{FF2B5EF4-FFF2-40B4-BE49-F238E27FC236}">
-                <a16:creationId xmlns:a16="http://schemas.microsoft.com/office/drawing/2014/main" id="{806233E6-0F0F-4046-9634-9ED4BF5BABC3}"/>
+                <a16:creationId xmlns:a16="http://schemas.microsoft.com/office/drawing/2014/main" id="{A9318F46-BECE-004C-9C25-EAE2014036A9}"/>
               </a:ext>
             </a:extLst>
           </p:cNvPr>
@@ -8509,405 +8645,18 @@
         </p:blipFill>
         <p:spPr>
           <a:xfrm>
-            <a:off x="6525946" y="1638549"/>
-            <a:ext cx="5616404" cy="4610096"/>
+            <a:off x="2482644" y="785041"/>
+            <a:ext cx="7226712" cy="5657961"/>
           </a:xfrm>
           <a:prstGeom prst="rect">
             <a:avLst/>
           </a:prstGeom>
         </p:spPr>
       </p:pic>
-      <p:pic>
-        <p:nvPicPr>
-          <p:cNvPr id="5" name="Picture 4">
-            <a:extLst>
-              <a:ext uri="{FF2B5EF4-FFF2-40B4-BE49-F238E27FC236}">
-                <a16:creationId xmlns:a16="http://schemas.microsoft.com/office/drawing/2014/main" id="{4BAF75E1-5AC6-2C41-8822-C86AEDE8EE32}"/>
-              </a:ext>
-            </a:extLst>
-          </p:cNvPr>
-          <p:cNvPicPr>
-            <a:picLocks noChangeAspect="1"/>
-          </p:cNvPicPr>
-          <p:nvPr/>
-        </p:nvPicPr>
-        <p:blipFill>
-          <a:blip r:embed="rId4"/>
-          <a:stretch>
-            <a:fillRect/>
-          </a:stretch>
-        </p:blipFill>
-        <p:spPr>
-          <a:xfrm>
-            <a:off x="791443" y="1553353"/>
-            <a:ext cx="5938057" cy="4780489"/>
-          </a:xfrm>
-          <a:prstGeom prst="rect">
-            <a:avLst/>
-          </a:prstGeom>
-        </p:spPr>
-      </p:pic>
-      <p:sp>
-        <p:nvSpPr>
-          <p:cNvPr id="3" name="TextBox 2">
-            <a:extLst>
-              <a:ext uri="{FF2B5EF4-FFF2-40B4-BE49-F238E27FC236}">
-                <a16:creationId xmlns:a16="http://schemas.microsoft.com/office/drawing/2014/main" id="{A2257B24-98EA-6F4F-A0A3-0620C5A6F7E8}"/>
-              </a:ext>
-            </a:extLst>
-          </p:cNvPr>
-          <p:cNvSpPr txBox="1"/>
-          <p:nvPr/>
-        </p:nvSpPr>
-        <p:spPr>
-          <a:xfrm>
-            <a:off x="571089" y="0"/>
-            <a:ext cx="10594182" cy="954107"/>
-          </a:xfrm>
-          <a:prstGeom prst="rect">
-            <a:avLst/>
-          </a:prstGeom>
-          <a:solidFill>
-            <a:schemeClr val="bg1"/>
-          </a:solidFill>
-        </p:spPr>
-        <p:txBody>
-          <a:bodyPr wrap="none" rtlCol="0">
-            <a:spAutoFit/>
-          </a:bodyPr>
-          <a:lstStyle/>
-          <a:p>
-            <a:pPr algn="ctr"/>
-            <a:r>
-              <a:rPr lang="en-US" sz="3200" dirty="0" err="1"/>
-              <a:t>Fallecidos</a:t>
-            </a:r>
-            <a:r>
-              <a:rPr lang="en-US" sz="3200" dirty="0"/>
-              <a:t> </a:t>
-            </a:r>
-            <a:r>
-              <a:rPr lang="en-US" sz="3200" dirty="0" err="1"/>
-              <a:t>semanales</a:t>
-            </a:r>
-            <a:r>
-              <a:rPr lang="en-US" sz="3200" dirty="0"/>
-              <a:t> </a:t>
-            </a:r>
-            <a:r>
-              <a:rPr lang="en-US" sz="3200" dirty="0" err="1"/>
-              <a:t>reportados</a:t>
-            </a:r>
-            <a:r>
-              <a:rPr lang="en-US" sz="3200" dirty="0"/>
-              <a:t> </a:t>
-            </a:r>
-            <a:r>
-              <a:rPr lang="en-US" sz="3200" dirty="0" err="1"/>
-              <a:t>por</a:t>
-            </a:r>
-            <a:r>
-              <a:rPr lang="en-US" sz="3200" dirty="0"/>
-              <a:t> DEIS</a:t>
-            </a:r>
-          </a:p>
-          <a:p>
-            <a:pPr algn="ctr"/>
-            <a:r>
-              <a:rPr lang="en-US" sz="2400" b="1" dirty="0">
-                <a:solidFill>
-                  <a:srgbClr val="FF0000"/>
-                </a:solidFill>
-              </a:rPr>
-              <a:t>POR FECHA DE FALLECIMIENTO </a:t>
-            </a:r>
-            <a:r>
-              <a:rPr lang="en-US" sz="2400" dirty="0"/>
-              <a:t>con COVID19 CONFIRMADO </a:t>
-            </a:r>
-            <a:r>
-              <a:rPr lang="en-US" sz="2400" dirty="0" err="1"/>
-              <a:t>como</a:t>
-            </a:r>
-            <a:r>
-              <a:rPr lang="en-US" sz="2400" dirty="0"/>
-              <a:t> causa de </a:t>
-            </a:r>
-            <a:r>
-              <a:rPr lang="en-US" sz="2400" dirty="0" err="1"/>
-              <a:t>muerte</a:t>
-            </a:r>
-            <a:endParaRPr lang="en-US" sz="2400" dirty="0"/>
-          </a:p>
-        </p:txBody>
-      </p:sp>
-      <p:sp>
-        <p:nvSpPr>
-          <p:cNvPr id="8" name="TextBox 7">
-            <a:extLst>
-              <a:ext uri="{FF2B5EF4-FFF2-40B4-BE49-F238E27FC236}">
-                <a16:creationId xmlns:a16="http://schemas.microsoft.com/office/drawing/2014/main" id="{AE8DFFE5-8EDE-684D-B21D-1698CF54CC86}"/>
-              </a:ext>
-            </a:extLst>
-          </p:cNvPr>
-          <p:cNvSpPr txBox="1"/>
-          <p:nvPr/>
-        </p:nvSpPr>
-        <p:spPr>
-          <a:xfrm>
-            <a:off x="97649" y="6417922"/>
-            <a:ext cx="8327023" cy="369332"/>
-          </a:xfrm>
-          <a:prstGeom prst="rect">
-            <a:avLst/>
-          </a:prstGeom>
-          <a:noFill/>
-        </p:spPr>
-        <p:txBody>
-          <a:bodyPr wrap="none" rtlCol="0">
-            <a:spAutoFit/>
-          </a:bodyPr>
-          <a:lstStyle/>
-          <a:p>
-            <a:r>
-              <a:rPr lang="en-US" dirty="0"/>
-              <a:t>Fuente: </a:t>
-            </a:r>
-            <a:r>
-              <a:rPr lang="en-US" dirty="0" err="1"/>
-              <a:t>Departamento</a:t>
-            </a:r>
-            <a:r>
-              <a:rPr lang="en-US" dirty="0"/>
-              <a:t> de </a:t>
-            </a:r>
-            <a:r>
-              <a:rPr lang="en-US" dirty="0" err="1"/>
-              <a:t>Estadística</a:t>
-            </a:r>
-            <a:r>
-              <a:rPr lang="en-US" dirty="0"/>
-              <a:t> e </a:t>
-            </a:r>
-            <a:r>
-              <a:rPr lang="en-US" dirty="0" err="1"/>
-              <a:t>Información</a:t>
-            </a:r>
-            <a:r>
-              <a:rPr lang="en-US" dirty="0"/>
-              <a:t> </a:t>
-            </a:r>
-            <a:r>
-              <a:rPr lang="en-US" dirty="0" err="1"/>
-              <a:t>en</a:t>
-            </a:r>
-            <a:r>
-              <a:rPr lang="en-US" dirty="0"/>
-              <a:t> </a:t>
-            </a:r>
-            <a:r>
-              <a:rPr lang="en-US" dirty="0" err="1"/>
-              <a:t>Salud</a:t>
-            </a:r>
-            <a:r>
-              <a:rPr lang="en-US" dirty="0"/>
-              <a:t> (DEIS), </a:t>
-            </a:r>
-            <a:r>
-              <a:rPr lang="en-US" dirty="0" err="1"/>
-              <a:t>Ministerio</a:t>
-            </a:r>
-            <a:r>
-              <a:rPr lang="en-US" dirty="0"/>
-              <a:t> de </a:t>
-            </a:r>
-            <a:r>
-              <a:rPr lang="en-US" dirty="0" err="1"/>
-              <a:t>Salud</a:t>
-            </a:r>
-            <a:endParaRPr lang="en-US" dirty="0"/>
-          </a:p>
-        </p:txBody>
-      </p:sp>
-      <p:sp>
-        <p:nvSpPr>
-          <p:cNvPr id="11" name="Oval 10">
-            <a:extLst>
-              <a:ext uri="{FF2B5EF4-FFF2-40B4-BE49-F238E27FC236}">
-                <a16:creationId xmlns:a16="http://schemas.microsoft.com/office/drawing/2014/main" id="{F62BB991-6941-1A4A-9265-662258EBE0EB}"/>
-              </a:ext>
-            </a:extLst>
-          </p:cNvPr>
-          <p:cNvSpPr/>
-          <p:nvPr/>
-        </p:nvSpPr>
-        <p:spPr>
-          <a:xfrm rot="3125565">
-            <a:off x="4608105" y="3100757"/>
-            <a:ext cx="1874746" cy="1025490"/>
-          </a:xfrm>
-          <a:prstGeom prst="ellipse">
-            <a:avLst/>
-          </a:prstGeom>
-          <a:noFill/>
-          <a:ln w="38100">
-            <a:solidFill>
-              <a:srgbClr val="FF0000"/>
-            </a:solidFill>
-            <a:prstDash val="sysDash"/>
-          </a:ln>
-        </p:spPr>
-        <p:style>
-          <a:lnRef idx="2">
-            <a:schemeClr val="accent1">
-              <a:shade val="50000"/>
-            </a:schemeClr>
-          </a:lnRef>
-          <a:fillRef idx="1">
-            <a:schemeClr val="accent1"/>
-          </a:fillRef>
-          <a:effectRef idx="0">
-            <a:schemeClr val="accent1"/>
-          </a:effectRef>
-          <a:fontRef idx="minor">
-            <a:schemeClr val="lt1"/>
-          </a:fontRef>
-        </p:style>
-        <p:txBody>
-          <a:bodyPr rtlCol="0" anchor="ctr"/>
-          <a:lstStyle/>
-          <a:p>
-            <a:pPr algn="ctr"/>
-            <a:endParaRPr lang="en-US"/>
-          </a:p>
-        </p:txBody>
-      </p:sp>
-      <p:sp>
-        <p:nvSpPr>
-          <p:cNvPr id="13" name="TextBox 12">
-            <a:extLst>
-              <a:ext uri="{FF2B5EF4-FFF2-40B4-BE49-F238E27FC236}">
-                <a16:creationId xmlns:a16="http://schemas.microsoft.com/office/drawing/2014/main" id="{0F45D883-1E1E-4848-8447-102EDC36F109}"/>
-              </a:ext>
-            </a:extLst>
-          </p:cNvPr>
-          <p:cNvSpPr txBox="1"/>
-          <p:nvPr/>
-        </p:nvSpPr>
-        <p:spPr>
-          <a:xfrm>
-            <a:off x="1404987" y="1069064"/>
-            <a:ext cx="4710970" cy="369332"/>
-          </a:xfrm>
-          <a:prstGeom prst="rect">
-            <a:avLst/>
-          </a:prstGeom>
-          <a:noFill/>
-        </p:spPr>
-        <p:txBody>
-          <a:bodyPr wrap="none" rtlCol="0">
-            <a:spAutoFit/>
-          </a:bodyPr>
-          <a:lstStyle/>
-          <a:p>
-            <a:r>
-              <a:rPr lang="en-US" b="1" dirty="0"/>
-              <a:t>DATOS REPORTADOS EL SABADO 25 DICIEMBRE</a:t>
-            </a:r>
-          </a:p>
-        </p:txBody>
-      </p:sp>
-      <p:sp>
-        <p:nvSpPr>
-          <p:cNvPr id="14" name="TextBox 13">
-            <a:extLst>
-              <a:ext uri="{FF2B5EF4-FFF2-40B4-BE49-F238E27FC236}">
-                <a16:creationId xmlns:a16="http://schemas.microsoft.com/office/drawing/2014/main" id="{AC3AB501-A2DF-7D4D-9D96-886CF39AED60}"/>
-              </a:ext>
-            </a:extLst>
-          </p:cNvPr>
-          <p:cNvSpPr txBox="1"/>
-          <p:nvPr/>
-        </p:nvSpPr>
-        <p:spPr>
-          <a:xfrm>
-            <a:off x="7276596" y="1069064"/>
-            <a:ext cx="4178131" cy="369332"/>
-          </a:xfrm>
-          <a:prstGeom prst="rect">
-            <a:avLst/>
-          </a:prstGeom>
-          <a:noFill/>
-        </p:spPr>
-        <p:txBody>
-          <a:bodyPr wrap="none" rtlCol="0">
-            <a:spAutoFit/>
-          </a:bodyPr>
-          <a:lstStyle/>
-          <a:p>
-            <a:r>
-              <a:rPr lang="en-US" b="1" dirty="0"/>
-              <a:t>DATOS REPORTADOS EL SABADO 1 ENERO</a:t>
-            </a:r>
-          </a:p>
-        </p:txBody>
-      </p:sp>
-      <p:sp>
-        <p:nvSpPr>
-          <p:cNvPr id="12" name="Oval 11">
-            <a:extLst>
-              <a:ext uri="{FF2B5EF4-FFF2-40B4-BE49-F238E27FC236}">
-                <a16:creationId xmlns:a16="http://schemas.microsoft.com/office/drawing/2014/main" id="{4B909BFD-0979-8C4D-A7A6-77983F117BFC}"/>
-              </a:ext>
-            </a:extLst>
-          </p:cNvPr>
-          <p:cNvSpPr/>
-          <p:nvPr/>
-        </p:nvSpPr>
-        <p:spPr>
-          <a:xfrm rot="20320058">
-            <a:off x="10121475" y="3309448"/>
-            <a:ext cx="1788914" cy="935197"/>
-          </a:xfrm>
-          <a:prstGeom prst="ellipse">
-            <a:avLst/>
-          </a:prstGeom>
-          <a:noFill/>
-          <a:ln w="38100">
-            <a:solidFill>
-              <a:srgbClr val="FF0000"/>
-            </a:solidFill>
-          </a:ln>
-        </p:spPr>
-        <p:style>
-          <a:lnRef idx="2">
-            <a:schemeClr val="accent1">
-              <a:shade val="50000"/>
-            </a:schemeClr>
-          </a:lnRef>
-          <a:fillRef idx="1">
-            <a:schemeClr val="accent1"/>
-          </a:fillRef>
-          <a:effectRef idx="0">
-            <a:schemeClr val="accent1"/>
-          </a:effectRef>
-          <a:fontRef idx="minor">
-            <a:schemeClr val="lt1"/>
-          </a:fontRef>
-        </p:style>
-        <p:txBody>
-          <a:bodyPr rtlCol="0" anchor="ctr"/>
-          <a:lstStyle/>
-          <a:p>
-            <a:pPr algn="ctr"/>
-            <a:endParaRPr lang="en-US"/>
-          </a:p>
-        </p:txBody>
-      </p:sp>
     </p:spTree>
     <p:extLst>
       <p:ext uri="{BB962C8B-B14F-4D97-AF65-F5344CB8AC3E}">
-        <p14:creationId xmlns:p14="http://schemas.microsoft.com/office/powerpoint/2010/main" val="3422457986"/>
+        <p14:creationId xmlns:p14="http://schemas.microsoft.com/office/powerpoint/2010/main" val="3134494721"/>
       </p:ext>
     </p:extLst>
   </p:cSld>
@@ -8934,12 +8683,72 @@
           <a:chExt cx="0" cy="0"/>
         </a:xfrm>
       </p:grpSpPr>
-      <p:sp>
-        <p:nvSpPr>
-          <p:cNvPr id="4" name="TextBox 3">
-            <a:extLst>
-              <a:ext uri="{FF2B5EF4-FFF2-40B4-BE49-F238E27FC236}">
-                <a16:creationId xmlns:a16="http://schemas.microsoft.com/office/drawing/2014/main" id="{5BCAFE7A-E299-D14E-9413-EB5C984AF441}"/>
+      <p:pic>
+        <p:nvPicPr>
+          <p:cNvPr id="2" name="Picture 1">
+            <a:extLst>
+              <a:ext uri="{FF2B5EF4-FFF2-40B4-BE49-F238E27FC236}">
+                <a16:creationId xmlns:a16="http://schemas.microsoft.com/office/drawing/2014/main" id="{806233E6-0F0F-4046-9634-9ED4BF5BABC3}"/>
+              </a:ext>
+            </a:extLst>
+          </p:cNvPr>
+          <p:cNvPicPr>
+            <a:picLocks noChangeAspect="1"/>
+          </p:cNvPicPr>
+          <p:nvPr/>
+        </p:nvPicPr>
+        <p:blipFill>
+          <a:blip r:embed="rId3"/>
+          <a:stretch>
+            <a:fillRect/>
+          </a:stretch>
+        </p:blipFill>
+        <p:spPr>
+          <a:xfrm>
+            <a:off x="6525946" y="1638549"/>
+            <a:ext cx="5616404" cy="4610096"/>
+          </a:xfrm>
+          <a:prstGeom prst="rect">
+            <a:avLst/>
+          </a:prstGeom>
+        </p:spPr>
+      </p:pic>
+      <p:pic>
+        <p:nvPicPr>
+          <p:cNvPr id="5" name="Picture 4">
+            <a:extLst>
+              <a:ext uri="{FF2B5EF4-FFF2-40B4-BE49-F238E27FC236}">
+                <a16:creationId xmlns:a16="http://schemas.microsoft.com/office/drawing/2014/main" id="{4BAF75E1-5AC6-2C41-8822-C86AEDE8EE32}"/>
+              </a:ext>
+            </a:extLst>
+          </p:cNvPr>
+          <p:cNvPicPr>
+            <a:picLocks noChangeAspect="1"/>
+          </p:cNvPicPr>
+          <p:nvPr/>
+        </p:nvPicPr>
+        <p:blipFill>
+          <a:blip r:embed="rId4"/>
+          <a:stretch>
+            <a:fillRect/>
+          </a:stretch>
+        </p:blipFill>
+        <p:spPr>
+          <a:xfrm>
+            <a:off x="791443" y="1553353"/>
+            <a:ext cx="5938057" cy="4780489"/>
+          </a:xfrm>
+          <a:prstGeom prst="rect">
+            <a:avLst/>
+          </a:prstGeom>
+        </p:spPr>
+      </p:pic>
+      <p:sp>
+        <p:nvSpPr>
+          <p:cNvPr id="3" name="TextBox 2">
+            <a:extLst>
+              <a:ext uri="{FF2B5EF4-FFF2-40B4-BE49-F238E27FC236}">
+                <a16:creationId xmlns:a16="http://schemas.microsoft.com/office/drawing/2014/main" id="{A2257B24-98EA-6F4F-A0A3-0620C5A6F7E8}"/>
               </a:ext>
             </a:extLst>
           </p:cNvPr>
@@ -8948,8 +8757,102 @@
         </p:nvSpPr>
         <p:spPr>
           <a:xfrm>
-            <a:off x="3621059" y="2846895"/>
-            <a:ext cx="4949881" cy="1015663"/>
+            <a:off x="571089" y="0"/>
+            <a:ext cx="10594182" cy="954107"/>
+          </a:xfrm>
+          <a:prstGeom prst="rect">
+            <a:avLst/>
+          </a:prstGeom>
+          <a:solidFill>
+            <a:schemeClr val="bg1"/>
+          </a:solidFill>
+        </p:spPr>
+        <p:txBody>
+          <a:bodyPr wrap="none" rtlCol="0">
+            <a:spAutoFit/>
+          </a:bodyPr>
+          <a:lstStyle/>
+          <a:p>
+            <a:pPr algn="ctr"/>
+            <a:r>
+              <a:rPr lang="en-US" sz="3200" dirty="0" err="1"/>
+              <a:t>Fallecidos</a:t>
+            </a:r>
+            <a:r>
+              <a:rPr lang="en-US" sz="3200" dirty="0"/>
+              <a:t> </a:t>
+            </a:r>
+            <a:r>
+              <a:rPr lang="en-US" sz="3200" dirty="0" err="1"/>
+              <a:t>semanales</a:t>
+            </a:r>
+            <a:r>
+              <a:rPr lang="en-US" sz="3200" dirty="0"/>
+              <a:t> </a:t>
+            </a:r>
+            <a:r>
+              <a:rPr lang="en-US" sz="3200" dirty="0" err="1"/>
+              <a:t>reportados</a:t>
+            </a:r>
+            <a:r>
+              <a:rPr lang="en-US" sz="3200" dirty="0"/>
+              <a:t> </a:t>
+            </a:r>
+            <a:r>
+              <a:rPr lang="en-US" sz="3200" dirty="0" err="1"/>
+              <a:t>por</a:t>
+            </a:r>
+            <a:r>
+              <a:rPr lang="en-US" sz="3200" dirty="0"/>
+              <a:t> DEIS</a:t>
+            </a:r>
+          </a:p>
+          <a:p>
+            <a:pPr algn="ctr"/>
+            <a:r>
+              <a:rPr lang="en-US" sz="2400" b="1" dirty="0">
+                <a:solidFill>
+                  <a:srgbClr val="FF0000"/>
+                </a:solidFill>
+              </a:rPr>
+              <a:t>POR FECHA DE FALLECIMIENTO </a:t>
+            </a:r>
+            <a:r>
+              <a:rPr lang="en-US" sz="2400" dirty="0"/>
+              <a:t>con COVID19 CONFIRMADO </a:t>
+            </a:r>
+            <a:r>
+              <a:rPr lang="en-US" sz="2400" dirty="0" err="1"/>
+              <a:t>como</a:t>
+            </a:r>
+            <a:r>
+              <a:rPr lang="en-US" sz="2400" dirty="0"/>
+              <a:t> causa de </a:t>
+            </a:r>
+            <a:r>
+              <a:rPr lang="en-US" sz="2400" dirty="0" err="1"/>
+              <a:t>muerte</a:t>
+            </a:r>
+            <a:endParaRPr lang="en-US" sz="2400" dirty="0"/>
+          </a:p>
+        </p:txBody>
+      </p:sp>
+      <p:sp>
+        <p:nvSpPr>
+          <p:cNvPr id="8" name="TextBox 7">
+            <a:extLst>
+              <a:ext uri="{FF2B5EF4-FFF2-40B4-BE49-F238E27FC236}">
+                <a16:creationId xmlns:a16="http://schemas.microsoft.com/office/drawing/2014/main" id="{AE8DFFE5-8EDE-684D-B21D-1698CF54CC86}"/>
+              </a:ext>
+            </a:extLst>
+          </p:cNvPr>
+          <p:cNvSpPr txBox="1"/>
+          <p:nvPr/>
+        </p:nvSpPr>
+        <p:spPr>
+          <a:xfrm>
+            <a:off x="97649" y="6417922"/>
+            <a:ext cx="8327023" cy="369332"/>
           </a:xfrm>
           <a:prstGeom prst="rect">
             <a:avLst/>
@@ -8963,33 +8866,236 @@
           <a:lstStyle/>
           <a:p>
             <a:r>
-              <a:rPr lang="en-US" sz="6000" dirty="0"/>
-              <a:t>CASOS &amp; TESTS</a:t>
-            </a:r>
-          </a:p>
-        </p:txBody>
-      </p:sp>
-      <p:sp>
-        <p:nvSpPr>
-          <p:cNvPr id="5" name="Title 4">
-            <a:extLst>
-              <a:ext uri="{FF2B5EF4-FFF2-40B4-BE49-F238E27FC236}">
-                <a16:creationId xmlns:a16="http://schemas.microsoft.com/office/drawing/2014/main" id="{5B465201-ED47-B64A-B505-4DDA25649C32}"/>
-              </a:ext>
-            </a:extLst>
-          </p:cNvPr>
-          <p:cNvSpPr>
-            <a:spLocks noGrp="1"/>
-          </p:cNvSpPr>
-          <p:nvPr>
-            <p:ph type="title"/>
-          </p:nvPr>
-        </p:nvSpPr>
-        <p:spPr/>
-        <p:txBody>
-          <a:bodyPr/>
-          <a:lstStyle/>
-          <a:p>
+              <a:rPr lang="en-US" dirty="0"/>
+              <a:t>Fuente: </a:t>
+            </a:r>
+            <a:r>
+              <a:rPr lang="en-US" dirty="0" err="1"/>
+              <a:t>Departamento</a:t>
+            </a:r>
+            <a:r>
+              <a:rPr lang="en-US" dirty="0"/>
+              <a:t> de </a:t>
+            </a:r>
+            <a:r>
+              <a:rPr lang="en-US" dirty="0" err="1"/>
+              <a:t>Estadística</a:t>
+            </a:r>
+            <a:r>
+              <a:rPr lang="en-US" dirty="0"/>
+              <a:t> e </a:t>
+            </a:r>
+            <a:r>
+              <a:rPr lang="en-US" dirty="0" err="1"/>
+              <a:t>Información</a:t>
+            </a:r>
+            <a:r>
+              <a:rPr lang="en-US" dirty="0"/>
+              <a:t> </a:t>
+            </a:r>
+            <a:r>
+              <a:rPr lang="en-US" dirty="0" err="1"/>
+              <a:t>en</a:t>
+            </a:r>
+            <a:r>
+              <a:rPr lang="en-US" dirty="0"/>
+              <a:t> </a:t>
+            </a:r>
+            <a:r>
+              <a:rPr lang="en-US" dirty="0" err="1"/>
+              <a:t>Salud</a:t>
+            </a:r>
+            <a:r>
+              <a:rPr lang="en-US" dirty="0"/>
+              <a:t> (DEIS), </a:t>
+            </a:r>
+            <a:r>
+              <a:rPr lang="en-US" dirty="0" err="1"/>
+              <a:t>Ministerio</a:t>
+            </a:r>
+            <a:r>
+              <a:rPr lang="en-US" dirty="0"/>
+              <a:t> de </a:t>
+            </a:r>
+            <a:r>
+              <a:rPr lang="en-US" dirty="0" err="1"/>
+              <a:t>Salud</a:t>
+            </a:r>
+            <a:endParaRPr lang="en-US" dirty="0"/>
+          </a:p>
+        </p:txBody>
+      </p:sp>
+      <p:sp>
+        <p:nvSpPr>
+          <p:cNvPr id="11" name="Oval 10">
+            <a:extLst>
+              <a:ext uri="{FF2B5EF4-FFF2-40B4-BE49-F238E27FC236}">
+                <a16:creationId xmlns:a16="http://schemas.microsoft.com/office/drawing/2014/main" id="{F62BB991-6941-1A4A-9265-662258EBE0EB}"/>
+              </a:ext>
+            </a:extLst>
+          </p:cNvPr>
+          <p:cNvSpPr/>
+          <p:nvPr/>
+        </p:nvSpPr>
+        <p:spPr>
+          <a:xfrm rot="3125565">
+            <a:off x="4608105" y="3100757"/>
+            <a:ext cx="1874746" cy="1025490"/>
+          </a:xfrm>
+          <a:prstGeom prst="ellipse">
+            <a:avLst/>
+          </a:prstGeom>
+          <a:noFill/>
+          <a:ln w="38100">
+            <a:solidFill>
+              <a:srgbClr val="FF0000"/>
+            </a:solidFill>
+            <a:prstDash val="sysDash"/>
+          </a:ln>
+        </p:spPr>
+        <p:style>
+          <a:lnRef idx="2">
+            <a:schemeClr val="accent1">
+              <a:shade val="50000"/>
+            </a:schemeClr>
+          </a:lnRef>
+          <a:fillRef idx="1">
+            <a:schemeClr val="accent1"/>
+          </a:fillRef>
+          <a:effectRef idx="0">
+            <a:schemeClr val="accent1"/>
+          </a:effectRef>
+          <a:fontRef idx="minor">
+            <a:schemeClr val="lt1"/>
+          </a:fontRef>
+        </p:style>
+        <p:txBody>
+          <a:bodyPr rtlCol="0" anchor="ctr"/>
+          <a:lstStyle/>
+          <a:p>
+            <a:pPr algn="ctr"/>
+            <a:endParaRPr lang="en-US"/>
+          </a:p>
+        </p:txBody>
+      </p:sp>
+      <p:sp>
+        <p:nvSpPr>
+          <p:cNvPr id="13" name="TextBox 12">
+            <a:extLst>
+              <a:ext uri="{FF2B5EF4-FFF2-40B4-BE49-F238E27FC236}">
+                <a16:creationId xmlns:a16="http://schemas.microsoft.com/office/drawing/2014/main" id="{0F45D883-1E1E-4848-8447-102EDC36F109}"/>
+              </a:ext>
+            </a:extLst>
+          </p:cNvPr>
+          <p:cNvSpPr txBox="1"/>
+          <p:nvPr/>
+        </p:nvSpPr>
+        <p:spPr>
+          <a:xfrm>
+            <a:off x="1404987" y="1069064"/>
+            <a:ext cx="4178131" cy="369332"/>
+          </a:xfrm>
+          <a:prstGeom prst="rect">
+            <a:avLst/>
+          </a:prstGeom>
+          <a:noFill/>
+        </p:spPr>
+        <p:txBody>
+          <a:bodyPr wrap="none" rtlCol="0">
+            <a:spAutoFit/>
+          </a:bodyPr>
+          <a:lstStyle/>
+          <a:p>
+            <a:r>
+              <a:rPr lang="en-US" b="1" dirty="0"/>
+              <a:t>DATOS REPORTADOS EL SABADO 8 ENERO</a:t>
+            </a:r>
+          </a:p>
+        </p:txBody>
+      </p:sp>
+      <p:sp>
+        <p:nvSpPr>
+          <p:cNvPr id="14" name="TextBox 13">
+            <a:extLst>
+              <a:ext uri="{FF2B5EF4-FFF2-40B4-BE49-F238E27FC236}">
+                <a16:creationId xmlns:a16="http://schemas.microsoft.com/office/drawing/2014/main" id="{AC3AB501-A2DF-7D4D-9D96-886CF39AED60}"/>
+              </a:ext>
+            </a:extLst>
+          </p:cNvPr>
+          <p:cNvSpPr txBox="1"/>
+          <p:nvPr/>
+        </p:nvSpPr>
+        <p:spPr>
+          <a:xfrm>
+            <a:off x="7276596" y="1069064"/>
+            <a:ext cx="4295150" cy="369332"/>
+          </a:xfrm>
+          <a:prstGeom prst="rect">
+            <a:avLst/>
+          </a:prstGeom>
+          <a:noFill/>
+        </p:spPr>
+        <p:txBody>
+          <a:bodyPr wrap="none" rtlCol="0">
+            <a:spAutoFit/>
+          </a:bodyPr>
+          <a:lstStyle/>
+          <a:p>
+            <a:r>
+              <a:rPr lang="en-US" b="1" dirty="0"/>
+              <a:t>DATOS REPORTADOS EL SABADO 15 ENERO</a:t>
+            </a:r>
+          </a:p>
+        </p:txBody>
+      </p:sp>
+      <p:sp>
+        <p:nvSpPr>
+          <p:cNvPr id="12" name="Oval 11">
+            <a:extLst>
+              <a:ext uri="{FF2B5EF4-FFF2-40B4-BE49-F238E27FC236}">
+                <a16:creationId xmlns:a16="http://schemas.microsoft.com/office/drawing/2014/main" id="{4B909BFD-0979-8C4D-A7A6-77983F117BFC}"/>
+              </a:ext>
+            </a:extLst>
+          </p:cNvPr>
+          <p:cNvSpPr/>
+          <p:nvPr/>
+        </p:nvSpPr>
+        <p:spPr>
+          <a:xfrm rot="2915956">
+            <a:off x="9486486" y="3060353"/>
+            <a:ext cx="1788914" cy="935197"/>
+          </a:xfrm>
+          <a:prstGeom prst="ellipse">
+            <a:avLst/>
+          </a:prstGeom>
+          <a:noFill/>
+          <a:ln w="38100">
+            <a:solidFill>
+              <a:srgbClr val="FF0000"/>
+            </a:solidFill>
+          </a:ln>
+        </p:spPr>
+        <p:style>
+          <a:lnRef idx="2">
+            <a:schemeClr val="accent1">
+              <a:shade val="50000"/>
+            </a:schemeClr>
+          </a:lnRef>
+          <a:fillRef idx="1">
+            <a:schemeClr val="accent1"/>
+          </a:fillRef>
+          <a:effectRef idx="0">
+            <a:schemeClr val="accent1"/>
+          </a:effectRef>
+          <a:fontRef idx="minor">
+            <a:schemeClr val="lt1"/>
+          </a:fontRef>
+        </p:style>
+        <p:txBody>
+          <a:bodyPr rtlCol="0" anchor="ctr"/>
+          <a:lstStyle/>
+          <a:p>
+            <a:pPr algn="ctr"/>
             <a:endParaRPr lang="en-US"/>
           </a:p>
         </p:txBody>
@@ -8997,7 +9103,7 @@
     </p:spTree>
     <p:extLst>
       <p:ext uri="{BB962C8B-B14F-4D97-AF65-F5344CB8AC3E}">
-        <p14:creationId xmlns:p14="http://schemas.microsoft.com/office/powerpoint/2010/main" val="3304157546"/>
+        <p14:creationId xmlns:p14="http://schemas.microsoft.com/office/powerpoint/2010/main" val="3422457986"/>
       </p:ext>
     </p:extLst>
   </p:cSld>
